--- a/Figures/FigureCompositions.pptx
+++ b/Figures/FigureCompositions.pptx
@@ -4,8 +4,11 @@
   <p:sldMasterIdLst>
     <p:sldMasterId id="2147483648" r:id="rId1"/>
   </p:sldMasterIdLst>
+  <p:notesMasterIdLst>
+    <p:notesMasterId r:id="rId3"/>
+  </p:notesMasterIdLst>
   <p:sldIdLst>
-    <p:sldId id="256" r:id="rId2"/>
+    <p:sldId id="257" r:id="rId2"/>
   </p:sldIdLst>
   <p:sldSz cx="9144000" cy="6858000" type="screen4x3"/>
   <p:notesSz cx="6858000" cy="9144000"/>
@@ -107,6 +110,500 @@
 </p:presentation>
 </file>
 
+<file path=ppt/notesMasters/notesMaster1.xml><?xml version="1.0" encoding="utf-8"?>
+<p:notesMaster xmlns:a="http://schemas.openxmlformats.org/drawingml/2006/main" xmlns:r="http://schemas.openxmlformats.org/officeDocument/2006/relationships" xmlns:p="http://schemas.openxmlformats.org/presentationml/2006/main">
+  <p:cSld>
+    <p:bg>
+      <p:bgRef idx="1001">
+        <a:schemeClr val="bg1"/>
+      </p:bgRef>
+    </p:bg>
+    <p:spTree>
+      <p:nvGrpSpPr>
+        <p:cNvPr id="1" name=""/>
+        <p:cNvGrpSpPr/>
+        <p:nvPr/>
+      </p:nvGrpSpPr>
+      <p:grpSpPr>
+        <a:xfrm>
+          <a:off x="0" y="0"/>
+          <a:ext cx="0" cy="0"/>
+          <a:chOff x="0" y="0"/>
+          <a:chExt cx="0" cy="0"/>
+        </a:xfrm>
+      </p:grpSpPr>
+      <p:sp>
+        <p:nvSpPr>
+          <p:cNvPr id="2" name="Header Placeholder 1"/>
+          <p:cNvSpPr>
+            <a:spLocks noGrp="1"/>
+          </p:cNvSpPr>
+          <p:nvPr>
+            <p:ph type="hdr" sz="quarter"/>
+          </p:nvPr>
+        </p:nvSpPr>
+        <p:spPr>
+          <a:xfrm>
+            <a:off x="0" y="0"/>
+            <a:ext cx="2971800" cy="457200"/>
+          </a:xfrm>
+          <a:prstGeom prst="rect">
+            <a:avLst/>
+          </a:prstGeom>
+        </p:spPr>
+        <p:txBody>
+          <a:bodyPr vert="horz" lIns="91440" tIns="45720" rIns="91440" bIns="45720" rtlCol="0"/>
+          <a:lstStyle>
+            <a:lvl1pPr algn="l">
+              <a:defRPr sz="1200"/>
+            </a:lvl1pPr>
+          </a:lstStyle>
+          <a:p>
+            <a:endParaRPr lang="en-US"/>
+          </a:p>
+        </p:txBody>
+      </p:sp>
+      <p:sp>
+        <p:nvSpPr>
+          <p:cNvPr id="3" name="Date Placeholder 2"/>
+          <p:cNvSpPr>
+            <a:spLocks noGrp="1"/>
+          </p:cNvSpPr>
+          <p:nvPr>
+            <p:ph type="dt" idx="1"/>
+          </p:nvPr>
+        </p:nvSpPr>
+        <p:spPr>
+          <a:xfrm>
+            <a:off x="3884613" y="0"/>
+            <a:ext cx="2971800" cy="457200"/>
+          </a:xfrm>
+          <a:prstGeom prst="rect">
+            <a:avLst/>
+          </a:prstGeom>
+        </p:spPr>
+        <p:txBody>
+          <a:bodyPr vert="horz" lIns="91440" tIns="45720" rIns="91440" bIns="45720" rtlCol="0"/>
+          <a:lstStyle>
+            <a:lvl1pPr algn="r">
+              <a:defRPr sz="1200"/>
+            </a:lvl1pPr>
+          </a:lstStyle>
+          <a:p>
+            <a:fld id="{DB986E68-41A0-3B4C-900C-B9BF0423D344}" type="datetimeFigureOut">
+              <a:rPr lang="en-US" smtClean="0"/>
+              <a:t>26/08/15</a:t>
+            </a:fld>
+            <a:endParaRPr lang="en-US"/>
+          </a:p>
+        </p:txBody>
+      </p:sp>
+      <p:sp>
+        <p:nvSpPr>
+          <p:cNvPr id="4" name="Slide Image Placeholder 3"/>
+          <p:cNvSpPr>
+            <a:spLocks noGrp="1" noRot="1" noChangeAspect="1"/>
+          </p:cNvSpPr>
+          <p:nvPr>
+            <p:ph type="sldImg" idx="2"/>
+          </p:nvPr>
+        </p:nvSpPr>
+        <p:spPr>
+          <a:xfrm>
+            <a:off x="1143000" y="685800"/>
+            <a:ext cx="4572000" cy="3429000"/>
+          </a:xfrm>
+          <a:prstGeom prst="rect">
+            <a:avLst/>
+          </a:prstGeom>
+          <a:noFill/>
+          <a:ln w="12700">
+            <a:solidFill>
+              <a:prstClr val="black"/>
+            </a:solidFill>
+          </a:ln>
+        </p:spPr>
+        <p:txBody>
+          <a:bodyPr vert="horz" lIns="91440" tIns="45720" rIns="91440" bIns="45720" rtlCol="0" anchor="ctr"/>
+          <a:lstStyle/>
+          <a:p>
+            <a:endParaRPr lang="en-US"/>
+          </a:p>
+        </p:txBody>
+      </p:sp>
+      <p:sp>
+        <p:nvSpPr>
+          <p:cNvPr id="5" name="Notes Placeholder 4"/>
+          <p:cNvSpPr>
+            <a:spLocks noGrp="1"/>
+          </p:cNvSpPr>
+          <p:nvPr>
+            <p:ph type="body" sz="quarter" idx="3"/>
+          </p:nvPr>
+        </p:nvSpPr>
+        <p:spPr>
+          <a:xfrm>
+            <a:off x="685800" y="4343400"/>
+            <a:ext cx="5486400" cy="4114800"/>
+          </a:xfrm>
+          <a:prstGeom prst="rect">
+            <a:avLst/>
+          </a:prstGeom>
+        </p:spPr>
+        <p:txBody>
+          <a:bodyPr vert="horz" lIns="91440" tIns="45720" rIns="91440" bIns="45720" rtlCol="0"/>
+          <a:lstStyle/>
+          <a:p>
+            <a:pPr lvl="0"/>
+            <a:r>
+              <a:rPr lang="de-DE" smtClean="0"/>
+              <a:t>Click to edit Master text styles</a:t>
+            </a:r>
+          </a:p>
+          <a:p>
+            <a:pPr lvl="1"/>
+            <a:r>
+              <a:rPr lang="de-DE" smtClean="0"/>
+              <a:t>Second level</a:t>
+            </a:r>
+          </a:p>
+          <a:p>
+            <a:pPr lvl="2"/>
+            <a:r>
+              <a:rPr lang="de-DE" smtClean="0"/>
+              <a:t>Third level</a:t>
+            </a:r>
+          </a:p>
+          <a:p>
+            <a:pPr lvl="3"/>
+            <a:r>
+              <a:rPr lang="de-DE" smtClean="0"/>
+              <a:t>Fourth level</a:t>
+            </a:r>
+          </a:p>
+          <a:p>
+            <a:pPr lvl="4"/>
+            <a:r>
+              <a:rPr lang="de-DE" smtClean="0"/>
+              <a:t>Fifth level</a:t>
+            </a:r>
+            <a:endParaRPr lang="en-US"/>
+          </a:p>
+        </p:txBody>
+      </p:sp>
+      <p:sp>
+        <p:nvSpPr>
+          <p:cNvPr id="6" name="Footer Placeholder 5"/>
+          <p:cNvSpPr>
+            <a:spLocks noGrp="1"/>
+          </p:cNvSpPr>
+          <p:nvPr>
+            <p:ph type="ftr" sz="quarter" idx="4"/>
+          </p:nvPr>
+        </p:nvSpPr>
+        <p:spPr>
+          <a:xfrm>
+            <a:off x="0" y="8685213"/>
+            <a:ext cx="2971800" cy="457200"/>
+          </a:xfrm>
+          <a:prstGeom prst="rect">
+            <a:avLst/>
+          </a:prstGeom>
+        </p:spPr>
+        <p:txBody>
+          <a:bodyPr vert="horz" lIns="91440" tIns="45720" rIns="91440" bIns="45720" rtlCol="0" anchor="b"/>
+          <a:lstStyle>
+            <a:lvl1pPr algn="l">
+              <a:defRPr sz="1200"/>
+            </a:lvl1pPr>
+          </a:lstStyle>
+          <a:p>
+            <a:endParaRPr lang="en-US"/>
+          </a:p>
+        </p:txBody>
+      </p:sp>
+      <p:sp>
+        <p:nvSpPr>
+          <p:cNvPr id="7" name="Slide Number Placeholder 6"/>
+          <p:cNvSpPr>
+            <a:spLocks noGrp="1"/>
+          </p:cNvSpPr>
+          <p:nvPr>
+            <p:ph type="sldNum" sz="quarter" idx="5"/>
+          </p:nvPr>
+        </p:nvSpPr>
+        <p:spPr>
+          <a:xfrm>
+            <a:off x="3884613" y="8685213"/>
+            <a:ext cx="2971800" cy="457200"/>
+          </a:xfrm>
+          <a:prstGeom prst="rect">
+            <a:avLst/>
+          </a:prstGeom>
+        </p:spPr>
+        <p:txBody>
+          <a:bodyPr vert="horz" lIns="91440" tIns="45720" rIns="91440" bIns="45720" rtlCol="0" anchor="b"/>
+          <a:lstStyle>
+            <a:lvl1pPr algn="r">
+              <a:defRPr sz="1200"/>
+            </a:lvl1pPr>
+          </a:lstStyle>
+          <a:p>
+            <a:fld id="{B1420FEA-E8E7-E34B-999C-B9DA89F95706}" type="slidenum">
+              <a:rPr lang="en-US" smtClean="0"/>
+              <a:t>‹#›</a:t>
+            </a:fld>
+            <a:endParaRPr lang="en-US"/>
+          </a:p>
+        </p:txBody>
+      </p:sp>
+    </p:spTree>
+    <p:extLst>
+      <p:ext uri="{BB962C8B-B14F-4D97-AF65-F5344CB8AC3E}">
+        <p14:creationId xmlns:p14="http://schemas.microsoft.com/office/powerpoint/2010/main" val="4075853463"/>
+      </p:ext>
+    </p:extLst>
+  </p:cSld>
+  <p:clrMap bg1="lt1" tx1="dk1" bg2="lt2" tx2="dk2" accent1="accent1" accent2="accent2" accent3="accent3" accent4="accent4" accent5="accent5" accent6="accent6" hlink="hlink" folHlink="folHlink"/>
+  <p:notesStyle>
+    <a:lvl1pPr marL="0" algn="l" defTabSz="457200" rtl="0" eaLnBrk="1" latinLnBrk="0" hangingPunct="1">
+      <a:defRPr sz="1200" kern="1200">
+        <a:solidFill>
+          <a:schemeClr val="tx1"/>
+        </a:solidFill>
+        <a:latin typeface="+mn-lt"/>
+        <a:ea typeface="+mn-ea"/>
+        <a:cs typeface="+mn-cs"/>
+      </a:defRPr>
+    </a:lvl1pPr>
+    <a:lvl2pPr marL="457200" algn="l" defTabSz="457200" rtl="0" eaLnBrk="1" latinLnBrk="0" hangingPunct="1">
+      <a:defRPr sz="1200" kern="1200">
+        <a:solidFill>
+          <a:schemeClr val="tx1"/>
+        </a:solidFill>
+        <a:latin typeface="+mn-lt"/>
+        <a:ea typeface="+mn-ea"/>
+        <a:cs typeface="+mn-cs"/>
+      </a:defRPr>
+    </a:lvl2pPr>
+    <a:lvl3pPr marL="914400" algn="l" defTabSz="457200" rtl="0" eaLnBrk="1" latinLnBrk="0" hangingPunct="1">
+      <a:defRPr sz="1200" kern="1200">
+        <a:solidFill>
+          <a:schemeClr val="tx1"/>
+        </a:solidFill>
+        <a:latin typeface="+mn-lt"/>
+        <a:ea typeface="+mn-ea"/>
+        <a:cs typeface="+mn-cs"/>
+      </a:defRPr>
+    </a:lvl3pPr>
+    <a:lvl4pPr marL="1371600" algn="l" defTabSz="457200" rtl="0" eaLnBrk="1" latinLnBrk="0" hangingPunct="1">
+      <a:defRPr sz="1200" kern="1200">
+        <a:solidFill>
+          <a:schemeClr val="tx1"/>
+        </a:solidFill>
+        <a:latin typeface="+mn-lt"/>
+        <a:ea typeface="+mn-ea"/>
+        <a:cs typeface="+mn-cs"/>
+      </a:defRPr>
+    </a:lvl4pPr>
+    <a:lvl5pPr marL="1828800" algn="l" defTabSz="457200" rtl="0" eaLnBrk="1" latinLnBrk="0" hangingPunct="1">
+      <a:defRPr sz="1200" kern="1200">
+        <a:solidFill>
+          <a:schemeClr val="tx1"/>
+        </a:solidFill>
+        <a:latin typeface="+mn-lt"/>
+        <a:ea typeface="+mn-ea"/>
+        <a:cs typeface="+mn-cs"/>
+      </a:defRPr>
+    </a:lvl5pPr>
+    <a:lvl6pPr marL="2286000" algn="l" defTabSz="457200" rtl="0" eaLnBrk="1" latinLnBrk="0" hangingPunct="1">
+      <a:defRPr sz="1200" kern="1200">
+        <a:solidFill>
+          <a:schemeClr val="tx1"/>
+        </a:solidFill>
+        <a:latin typeface="+mn-lt"/>
+        <a:ea typeface="+mn-ea"/>
+        <a:cs typeface="+mn-cs"/>
+      </a:defRPr>
+    </a:lvl6pPr>
+    <a:lvl7pPr marL="2743200" algn="l" defTabSz="457200" rtl="0" eaLnBrk="1" latinLnBrk="0" hangingPunct="1">
+      <a:defRPr sz="1200" kern="1200">
+        <a:solidFill>
+          <a:schemeClr val="tx1"/>
+        </a:solidFill>
+        <a:latin typeface="+mn-lt"/>
+        <a:ea typeface="+mn-ea"/>
+        <a:cs typeface="+mn-cs"/>
+      </a:defRPr>
+    </a:lvl7pPr>
+    <a:lvl8pPr marL="3200400" algn="l" defTabSz="457200" rtl="0" eaLnBrk="1" latinLnBrk="0" hangingPunct="1">
+      <a:defRPr sz="1200" kern="1200">
+        <a:solidFill>
+          <a:schemeClr val="tx1"/>
+        </a:solidFill>
+        <a:latin typeface="+mn-lt"/>
+        <a:ea typeface="+mn-ea"/>
+        <a:cs typeface="+mn-cs"/>
+      </a:defRPr>
+    </a:lvl8pPr>
+    <a:lvl9pPr marL="3657600" algn="l" defTabSz="457200" rtl="0" eaLnBrk="1" latinLnBrk="0" hangingPunct="1">
+      <a:defRPr sz="1200" kern="1200">
+        <a:solidFill>
+          <a:schemeClr val="tx1"/>
+        </a:solidFill>
+        <a:latin typeface="+mn-lt"/>
+        <a:ea typeface="+mn-ea"/>
+        <a:cs typeface="+mn-cs"/>
+      </a:defRPr>
+    </a:lvl9pPr>
+  </p:notesStyle>
+</p:notesMaster>
+</file>
+
+<file path=ppt/notesSlides/notesSlide1.xml><?xml version="1.0" encoding="utf-8"?>
+<p:notes xmlns:a="http://schemas.openxmlformats.org/drawingml/2006/main" xmlns:r="http://schemas.openxmlformats.org/officeDocument/2006/relationships" xmlns:p="http://schemas.openxmlformats.org/presentationml/2006/main">
+  <p:cSld>
+    <p:spTree>
+      <p:nvGrpSpPr>
+        <p:cNvPr id="1" name=""/>
+        <p:cNvGrpSpPr/>
+        <p:nvPr/>
+      </p:nvGrpSpPr>
+      <p:grpSpPr>
+        <a:xfrm>
+          <a:off x="0" y="0"/>
+          <a:ext cx="0" cy="0"/>
+          <a:chOff x="0" y="0"/>
+          <a:chExt cx="0" cy="0"/>
+        </a:xfrm>
+      </p:grpSpPr>
+      <p:sp>
+        <p:nvSpPr>
+          <p:cNvPr id="2" name="Slide Image Placeholder 1"/>
+          <p:cNvSpPr>
+            <a:spLocks noGrp="1" noRot="1" noChangeAspect="1"/>
+          </p:cNvSpPr>
+          <p:nvPr>
+            <p:ph type="sldImg"/>
+          </p:nvPr>
+        </p:nvSpPr>
+        <p:spPr/>
+      </p:sp>
+      <p:sp>
+        <p:nvSpPr>
+          <p:cNvPr id="3" name="Notes Placeholder 2"/>
+          <p:cNvSpPr>
+            <a:spLocks noGrp="1"/>
+          </p:cNvSpPr>
+          <p:nvPr>
+            <p:ph type="body" idx="1"/>
+          </p:nvPr>
+        </p:nvSpPr>
+        <p:spPr/>
+        <p:txBody>
+          <a:bodyPr/>
+          <a:lstStyle/>
+          <a:p>
+            <a:pPr marL="171450" indent="-171450">
+              <a:buFontTx/>
+              <a:buChar char="-"/>
+            </a:pPr>
+            <a:r>
+              <a:rPr lang="en-US" dirty="0" smtClean="0"/>
+              <a:t>different arrow </a:t>
+            </a:r>
+          </a:p>
+          <a:p>
+            <a:pPr marL="171450" indent="-171450">
+              <a:buFontTx/>
+              <a:buChar char="-"/>
+            </a:pPr>
+            <a:r>
+              <a:rPr lang="en-US" dirty="0" err="1" smtClean="0"/>
+              <a:t>im</a:t>
+            </a:r>
+            <a:r>
+              <a:rPr lang="en-US" dirty="0" smtClean="0"/>
+              <a:t> Text:</a:t>
+            </a:r>
+            <a:r>
+              <a:rPr lang="en-US" baseline="0" dirty="0" smtClean="0"/>
+              <a:t> </a:t>
+            </a:r>
+            <a:r>
+              <a:rPr lang="en-US" baseline="0" dirty="0" err="1" smtClean="0"/>
+              <a:t>viele</a:t>
+            </a:r>
+            <a:r>
+              <a:rPr lang="en-US" baseline="0" dirty="0" smtClean="0"/>
+              <a:t> </a:t>
+            </a:r>
+            <a:r>
+              <a:rPr lang="en-US" baseline="0" dirty="0" err="1" smtClean="0"/>
+              <a:t>Parallelisierungsansätze</a:t>
+            </a:r>
+            <a:r>
+              <a:rPr lang="en-US" baseline="0" dirty="0" smtClean="0"/>
+              <a:t>, point out that m </a:t>
+            </a:r>
+            <a:r>
+              <a:rPr lang="en-US" baseline="0" dirty="0" err="1" smtClean="0"/>
+              <a:t>consequtive</a:t>
+            </a:r>
+            <a:r>
+              <a:rPr lang="en-US" baseline="0" dirty="0" smtClean="0"/>
+              <a:t> ones are only accepted if all intermingled simulations finished</a:t>
+            </a:r>
+          </a:p>
+          <a:p>
+            <a:pPr marL="171450" indent="-171450">
+              <a:buFontTx/>
+              <a:buChar char="-"/>
+            </a:pPr>
+            <a:r>
+              <a:rPr lang="en-US" baseline="0" dirty="0" smtClean="0"/>
+              <a:t>add box with model sketch</a:t>
+            </a:r>
+            <a:endParaRPr lang="en-US" dirty="0"/>
+          </a:p>
+        </p:txBody>
+      </p:sp>
+      <p:sp>
+        <p:nvSpPr>
+          <p:cNvPr id="4" name="Slide Number Placeholder 3"/>
+          <p:cNvSpPr>
+            <a:spLocks noGrp="1"/>
+          </p:cNvSpPr>
+          <p:nvPr>
+            <p:ph type="sldNum" sz="quarter" idx="10"/>
+          </p:nvPr>
+        </p:nvSpPr>
+        <p:spPr/>
+        <p:txBody>
+          <a:bodyPr/>
+          <a:lstStyle/>
+          <a:p>
+            <a:fld id="{A38EF790-4F90-FA43-87BC-C147F7103CA4}" type="slidenum">
+              <a:rPr lang="en-US" smtClean="0"/>
+              <a:t>1</a:t>
+            </a:fld>
+            <a:endParaRPr lang="en-US"/>
+          </a:p>
+        </p:txBody>
+      </p:sp>
+    </p:spTree>
+    <p:extLst>
+      <p:ext uri="{BB962C8B-B14F-4D97-AF65-F5344CB8AC3E}">
+        <p14:creationId xmlns:p14="http://schemas.microsoft.com/office/powerpoint/2010/main" val="677211821"/>
+      </p:ext>
+    </p:extLst>
+  </p:cSld>
+  <p:clrMapOvr>
+    <a:masterClrMapping/>
+  </p:clrMapOvr>
+</p:notes>
+</file>
+
 <file path=ppt/slideLayouts/slideLayout1.xml><?xml version="1.0" encoding="utf-8"?>
 <p:sldLayout xmlns:a="http://schemas.openxmlformats.org/drawingml/2006/main" xmlns:r="http://schemas.openxmlformats.org/officeDocument/2006/relationships" xmlns:p="http://schemas.openxmlformats.org/presentationml/2006/main" type="title" preserve="1">
   <p:cSld name="Title Slide">
@@ -288,7 +785,7 @@
           <a:p>
             <a:fld id="{19E49F0C-0F1D-BE43-95C2-FB5D975BE95E}" type="datetimeFigureOut">
               <a:rPr lang="en-US" smtClean="0"/>
-              <a:t>25/06/15</a:t>
+              <a:t>26/08/15</a:t>
             </a:fld>
             <a:endParaRPr lang="en-US"/>
           </a:p>
@@ -458,7 +955,7 @@
           <a:p>
             <a:fld id="{19E49F0C-0F1D-BE43-95C2-FB5D975BE95E}" type="datetimeFigureOut">
               <a:rPr lang="en-US" smtClean="0"/>
-              <a:t>25/06/15</a:t>
+              <a:t>26/08/15</a:t>
             </a:fld>
             <a:endParaRPr lang="en-US"/>
           </a:p>
@@ -638,7 +1135,7 @@
           <a:p>
             <a:fld id="{19E49F0C-0F1D-BE43-95C2-FB5D975BE95E}" type="datetimeFigureOut">
               <a:rPr lang="en-US" smtClean="0"/>
-              <a:t>25/06/15</a:t>
+              <a:t>26/08/15</a:t>
             </a:fld>
             <a:endParaRPr lang="en-US"/>
           </a:p>
@@ -808,7 +1305,7 @@
           <a:p>
             <a:fld id="{19E49F0C-0F1D-BE43-95C2-FB5D975BE95E}" type="datetimeFigureOut">
               <a:rPr lang="en-US" smtClean="0"/>
-              <a:t>25/06/15</a:t>
+              <a:t>26/08/15</a:t>
             </a:fld>
             <a:endParaRPr lang="en-US"/>
           </a:p>
@@ -1054,7 +1551,7 @@
           <a:p>
             <a:fld id="{19E49F0C-0F1D-BE43-95C2-FB5D975BE95E}" type="datetimeFigureOut">
               <a:rPr lang="en-US" smtClean="0"/>
-              <a:t>25/06/15</a:t>
+              <a:t>26/08/15</a:t>
             </a:fld>
             <a:endParaRPr lang="en-US"/>
           </a:p>
@@ -1342,7 +1839,7 @@
           <a:p>
             <a:fld id="{19E49F0C-0F1D-BE43-95C2-FB5D975BE95E}" type="datetimeFigureOut">
               <a:rPr lang="en-US" smtClean="0"/>
-              <a:t>25/06/15</a:t>
+              <a:t>26/08/15</a:t>
             </a:fld>
             <a:endParaRPr lang="en-US"/>
           </a:p>
@@ -1764,7 +2261,7 @@
           <a:p>
             <a:fld id="{19E49F0C-0F1D-BE43-95C2-FB5D975BE95E}" type="datetimeFigureOut">
               <a:rPr lang="en-US" smtClean="0"/>
-              <a:t>25/06/15</a:t>
+              <a:t>26/08/15</a:t>
             </a:fld>
             <a:endParaRPr lang="en-US"/>
           </a:p>
@@ -1882,7 +2379,7 @@
           <a:p>
             <a:fld id="{19E49F0C-0F1D-BE43-95C2-FB5D975BE95E}" type="datetimeFigureOut">
               <a:rPr lang="en-US" smtClean="0"/>
-              <a:t>25/06/15</a:t>
+              <a:t>26/08/15</a:t>
             </a:fld>
             <a:endParaRPr lang="en-US"/>
           </a:p>
@@ -1977,7 +2474,7 @@
           <a:p>
             <a:fld id="{19E49F0C-0F1D-BE43-95C2-FB5D975BE95E}" type="datetimeFigureOut">
               <a:rPr lang="en-US" smtClean="0"/>
-              <a:t>25/06/15</a:t>
+              <a:t>26/08/15</a:t>
             </a:fld>
             <a:endParaRPr lang="en-US"/>
           </a:p>
@@ -2254,7 +2751,7 @@
           <a:p>
             <a:fld id="{19E49F0C-0F1D-BE43-95C2-FB5D975BE95E}" type="datetimeFigureOut">
               <a:rPr lang="en-US" smtClean="0"/>
-              <a:t>25/06/15</a:t>
+              <a:t>26/08/15</a:t>
             </a:fld>
             <a:endParaRPr lang="en-US"/>
           </a:p>
@@ -2507,7 +3004,7 @@
           <a:p>
             <a:fld id="{19E49F0C-0F1D-BE43-95C2-FB5D975BE95E}" type="datetimeFigureOut">
               <a:rPr lang="en-US" smtClean="0"/>
-              <a:t>25/06/15</a:t>
+              <a:t>26/08/15</a:t>
             </a:fld>
             <a:endParaRPr lang="en-US"/>
           </a:p>
@@ -2720,7 +3217,7 @@
           <a:p>
             <a:fld id="{19E49F0C-0F1D-BE43-95C2-FB5D975BE95E}" type="datetimeFigureOut">
               <a:rPr lang="en-US" smtClean="0"/>
-              <a:t>25/06/15</a:t>
+              <a:t>26/08/15</a:t>
             </a:fld>
             <a:endParaRPr lang="en-US"/>
           </a:p>
@@ -3098,140 +3595,378 @@
       <p:grpSp>
         <p:nvGrpSpPr>
           <p:cNvPr id="5" name="Group 4"/>
-          <p:cNvGrpSpPr>
-            <a:grpSpLocks noChangeAspect="1"/>
-          </p:cNvGrpSpPr>
+          <p:cNvGrpSpPr/>
           <p:nvPr/>
         </p:nvGrpSpPr>
         <p:grpSpPr>
           <a:xfrm>
-            <a:off x="914400" y="8679563"/>
-            <a:ext cx="9124605" cy="9988353"/>
-            <a:chOff x="304800" y="2893187"/>
-            <a:chExt cx="3041535" cy="3329451"/>
+            <a:off x="-2055720" y="649176"/>
+            <a:ext cx="11108257" cy="6419781"/>
+            <a:chOff x="-2055720" y="649176"/>
+            <a:chExt cx="11108257" cy="6419781"/>
           </a:xfrm>
         </p:grpSpPr>
+        <p:sp>
+          <p:nvSpPr>
+            <p:cNvPr id="20" name="Rectangle 19"/>
+            <p:cNvSpPr/>
+            <p:nvPr/>
+          </p:nvSpPr>
+          <p:spPr>
+            <a:xfrm>
+              <a:off x="-2055720" y="1232284"/>
+              <a:ext cx="3392440" cy="5114999"/>
+            </a:xfrm>
+            <a:prstGeom prst="rect">
+              <a:avLst/>
+            </a:prstGeom>
+            <a:solidFill>
+              <a:schemeClr val="accent1">
+                <a:lumMod val="20000"/>
+                <a:lumOff val="80000"/>
+              </a:schemeClr>
+            </a:solidFill>
+            <a:ln w="57150" cmpd="sng"/>
+            <a:effectLst>
+              <a:outerShdw blurRad="50800" dist="38100" dir="2700000" algn="tl" rotWithShape="0">
+                <a:srgbClr val="000000">
+                  <a:alpha val="43000"/>
+                </a:srgbClr>
+              </a:outerShdw>
+            </a:effectLst>
+          </p:spPr>
+          <p:style>
+            <a:lnRef idx="2">
+              <a:schemeClr val="accent1"/>
+            </a:lnRef>
+            <a:fillRef idx="1">
+              <a:schemeClr val="lt1"/>
+            </a:fillRef>
+            <a:effectRef idx="0">
+              <a:schemeClr val="accent1"/>
+            </a:effectRef>
+            <a:fontRef idx="minor">
+              <a:schemeClr val="dk1"/>
+            </a:fontRef>
+          </p:style>
+          <p:txBody>
+            <a:bodyPr lIns="91429" tIns="45715" rIns="91429" bIns="45715" rtlCol="0" anchor="ctr"/>
+            <a:lstStyle/>
+            <a:p>
+              <a:pPr algn="ctr"/>
+              <a:endParaRPr lang="en-US"/>
+            </a:p>
+          </p:txBody>
+        </p:sp>
+        <p:sp>
+          <p:nvSpPr>
+            <p:cNvPr id="6" name="Multidocument 5"/>
+            <p:cNvSpPr/>
+            <p:nvPr/>
+          </p:nvSpPr>
+          <p:spPr>
+            <a:xfrm>
+              <a:off x="6071087" y="649176"/>
+              <a:ext cx="1529130" cy="1269880"/>
+            </a:xfrm>
+            <a:prstGeom prst="flowChartMultidocument">
+              <a:avLst/>
+            </a:prstGeom>
+          </p:spPr>
+          <p:style>
+            <a:lnRef idx="2">
+              <a:schemeClr val="dk1"/>
+            </a:lnRef>
+            <a:fillRef idx="1">
+              <a:schemeClr val="lt1"/>
+            </a:fillRef>
+            <a:effectRef idx="0">
+              <a:schemeClr val="dk1"/>
+            </a:effectRef>
+            <a:fontRef idx="minor">
+              <a:schemeClr val="dk1"/>
+            </a:fontRef>
+          </p:style>
+          <p:txBody>
+            <a:bodyPr lIns="91429" tIns="45715" rIns="91429" bIns="45715" rtlCol="0" anchor="ctr"/>
+            <a:lstStyle/>
+            <a:p>
+              <a:pPr algn="ctr"/>
+              <a:r>
+                <a:rPr lang="en-US" b="1" dirty="0" smtClean="0"/>
+                <a:t>Candidate Population</a:t>
+              </a:r>
+              <a:br>
+                <a:rPr lang="en-US" b="1" dirty="0" smtClean="0"/>
+              </a:br>
+              <a:r>
+                <a:rPr lang="en-US" b="1" dirty="0" smtClean="0"/>
+                <a:t>(queued)</a:t>
+              </a:r>
+            </a:p>
+            <a:p>
+              <a:pPr algn="ctr"/>
+              <a:endParaRPr lang="en-US" b="1" dirty="0"/>
+            </a:p>
+          </p:txBody>
+        </p:sp>
+        <p:sp>
+          <p:nvSpPr>
+            <p:cNvPr id="11" name="TextBox 10"/>
+            <p:cNvSpPr txBox="1"/>
+            <p:nvPr/>
+          </p:nvSpPr>
+          <p:spPr>
+            <a:xfrm>
+              <a:off x="4168214" y="862953"/>
+              <a:ext cx="1027069" cy="369332"/>
+            </a:xfrm>
+            <a:prstGeom prst="rect">
+              <a:avLst/>
+            </a:prstGeom>
+            <a:noFill/>
+          </p:spPr>
+          <p:txBody>
+            <a:bodyPr wrap="none" lIns="91429" tIns="45715" rIns="91429" bIns="45715" rtlCol="0">
+              <a:spAutoFit/>
+            </a:bodyPr>
+            <a:lstStyle/>
+            <a:p>
+              <a:r>
+                <a:rPr lang="en-US" dirty="0" smtClean="0"/>
+                <a:t>sampling</a:t>
+              </a:r>
+              <a:endParaRPr lang="en-US" dirty="0"/>
+            </a:p>
+          </p:txBody>
+        </p:sp>
+        <p:cxnSp>
+          <p:nvCxnSpPr>
+            <p:cNvPr id="14" name="Elbow Connector 13"/>
+            <p:cNvCxnSpPr>
+              <a:stCxn id="6" idx="2"/>
+              <a:endCxn id="93" idx="0"/>
+            </p:cNvCxnSpPr>
+            <p:nvPr/>
+          </p:nvCxnSpPr>
+          <p:spPr>
+            <a:xfrm rot="5400000">
+              <a:off x="5682746" y="1684266"/>
+              <a:ext cx="859877" cy="1233277"/>
+            </a:xfrm>
+            <a:prstGeom prst="bentConnector3">
+              <a:avLst>
+                <a:gd name="adj1" fmla="val 50000"/>
+              </a:avLst>
+            </a:prstGeom>
+            <a:ln>
+              <a:tailEnd type="arrow"/>
+            </a:ln>
+          </p:spPr>
+          <p:style>
+            <a:lnRef idx="3">
+              <a:schemeClr val="dk1"/>
+            </a:lnRef>
+            <a:fillRef idx="0">
+              <a:schemeClr val="dk1"/>
+            </a:fillRef>
+            <a:effectRef idx="2">
+              <a:schemeClr val="dk1"/>
+            </a:effectRef>
+            <a:fontRef idx="minor">
+              <a:schemeClr val="tx1"/>
+            </a:fontRef>
+          </p:style>
+        </p:cxnSp>
+        <p:cxnSp>
+          <p:nvCxnSpPr>
+            <p:cNvPr id="17" name="Elbow Connector 16"/>
+            <p:cNvCxnSpPr>
+              <a:stCxn id="6" idx="2"/>
+              <a:endCxn id="96" idx="0"/>
+            </p:cNvCxnSpPr>
+            <p:nvPr/>
+          </p:nvCxnSpPr>
+          <p:spPr>
+            <a:xfrm rot="16200000" flipH="1">
+              <a:off x="7092584" y="1507702"/>
+              <a:ext cx="870530" cy="1597056"/>
+            </a:xfrm>
+            <a:prstGeom prst="bentConnector3">
+              <a:avLst>
+                <a:gd name="adj1" fmla="val 50000"/>
+              </a:avLst>
+            </a:prstGeom>
+            <a:ln>
+              <a:tailEnd type="arrow"/>
+            </a:ln>
+          </p:spPr>
+          <p:style>
+            <a:lnRef idx="3">
+              <a:schemeClr val="dk1"/>
+            </a:lnRef>
+            <a:fillRef idx="0">
+              <a:schemeClr val="dk1"/>
+            </a:fillRef>
+            <a:effectRef idx="2">
+              <a:schemeClr val="dk1"/>
+            </a:effectRef>
+            <a:fontRef idx="minor">
+              <a:schemeClr val="tx1"/>
+            </a:fontRef>
+          </p:style>
+        </p:cxnSp>
+        <p:sp>
+          <p:nvSpPr>
+            <p:cNvPr id="23" name="TextBox 22"/>
+            <p:cNvSpPr txBox="1"/>
+            <p:nvPr/>
+          </p:nvSpPr>
+          <p:spPr>
+            <a:xfrm>
+              <a:off x="6736629" y="1889488"/>
+              <a:ext cx="1182385" cy="369332"/>
+            </a:xfrm>
+            <a:prstGeom prst="rect">
+              <a:avLst/>
+            </a:prstGeom>
+            <a:noFill/>
+          </p:spPr>
+          <p:txBody>
+            <a:bodyPr wrap="none" lIns="91429" tIns="45715" rIns="91429" bIns="45715" rtlCol="0">
+              <a:spAutoFit/>
+            </a:bodyPr>
+            <a:lstStyle/>
+            <a:p>
+              <a:r>
+                <a:rPr lang="en-US" dirty="0" smtClean="0"/>
+                <a:t>submitting</a:t>
+              </a:r>
+              <a:endParaRPr lang="en-US" dirty="0"/>
+            </a:p>
+          </p:txBody>
+        </p:sp>
+        <p:cxnSp>
+          <p:nvCxnSpPr>
+            <p:cNvPr id="26" name="Elbow Connector 25"/>
+            <p:cNvCxnSpPr>
+              <a:stCxn id="93" idx="2"/>
+              <a:endCxn id="116" idx="0"/>
+            </p:cNvCxnSpPr>
+            <p:nvPr/>
+          </p:nvCxnSpPr>
+          <p:spPr>
+            <a:xfrm rot="16200000" flipH="1">
+              <a:off x="5840852" y="4637129"/>
+              <a:ext cx="643669" cy="1333283"/>
+            </a:xfrm>
+            <a:prstGeom prst="bentConnector3">
+              <a:avLst>
+                <a:gd name="adj1" fmla="val 50000"/>
+              </a:avLst>
+            </a:prstGeom>
+            <a:ln>
+              <a:tailEnd type="arrow"/>
+            </a:ln>
+          </p:spPr>
+          <p:style>
+            <a:lnRef idx="3">
+              <a:schemeClr val="dk1"/>
+            </a:lnRef>
+            <a:fillRef idx="0">
+              <a:schemeClr val="dk1"/>
+            </a:fillRef>
+            <a:effectRef idx="2">
+              <a:schemeClr val="dk1"/>
+            </a:effectRef>
+            <a:fontRef idx="minor">
+              <a:schemeClr val="tx1"/>
+            </a:fontRef>
+          </p:style>
+        </p:cxnSp>
+        <p:cxnSp>
+          <p:nvCxnSpPr>
+            <p:cNvPr id="56" name="Elbow Connector 55"/>
+            <p:cNvCxnSpPr>
+              <a:stCxn id="96" idx="2"/>
+              <a:endCxn id="116" idx="0"/>
+            </p:cNvCxnSpPr>
+            <p:nvPr/>
+          </p:nvCxnSpPr>
+          <p:spPr>
+            <a:xfrm rot="5400000">
+              <a:off x="7261344" y="4560572"/>
+              <a:ext cx="633016" cy="1497050"/>
+            </a:xfrm>
+            <a:prstGeom prst="bentConnector3">
+              <a:avLst>
+                <a:gd name="adj1" fmla="val 50000"/>
+              </a:avLst>
+            </a:prstGeom>
+            <a:ln>
+              <a:tailEnd type="arrow"/>
+            </a:ln>
+          </p:spPr>
+          <p:style>
+            <a:lnRef idx="3">
+              <a:schemeClr val="dk1"/>
+            </a:lnRef>
+            <a:fillRef idx="0">
+              <a:schemeClr val="dk1"/>
+            </a:fillRef>
+            <a:effectRef idx="2">
+              <a:schemeClr val="dk1"/>
+            </a:effectRef>
+            <a:fontRef idx="minor">
+              <a:schemeClr val="tx1"/>
+            </a:fontRef>
+          </p:style>
+        </p:cxnSp>
         <p:grpSp>
           <p:nvGrpSpPr>
-            <p:cNvPr id="7" name="Group 6"/>
+            <p:cNvPr id="92" name="Group 91"/>
             <p:cNvGrpSpPr/>
             <p:nvPr/>
           </p:nvGrpSpPr>
           <p:grpSpPr>
             <a:xfrm>
-              <a:off x="304800" y="4267200"/>
-              <a:ext cx="1828977" cy="606545"/>
-              <a:chOff x="304800" y="4267200"/>
-              <a:chExt cx="1828977" cy="606545"/>
+              <a:off x="4769885" y="2730842"/>
+              <a:ext cx="1452319" cy="2251094"/>
+              <a:chOff x="0" y="560783"/>
+              <a:chExt cx="1452319" cy="2251094"/>
             </a:xfrm>
           </p:grpSpPr>
           <p:pic>
             <p:nvPicPr>
-              <p:cNvPr id="22" name="Picture 6" descr="model-process-migration"/>
-              <p:cNvPicPr>
-                <a:picLocks noChangeAspect="1" noChangeArrowheads="1"/>
-              </p:cNvPicPr>
-              <p:nvPr/>
-            </p:nvPicPr>
-            <p:blipFill>
-              <a:blip r:embed="rId2" cstate="print"/>
-              <a:srcRect/>
-              <a:stretch>
-                <a:fillRect/>
-              </a:stretch>
-            </p:blipFill>
-            <p:spPr bwMode="auto">
-              <a:xfrm>
-                <a:off x="304800" y="4267200"/>
-                <a:ext cx="1828977" cy="568960"/>
-              </a:xfrm>
-              <a:prstGeom prst="rect">
-                <a:avLst/>
-              </a:prstGeom>
-              <a:noFill/>
-              <a:ln w="9525">
-                <a:noFill/>
-                <a:miter lim="800000"/>
-                <a:headEnd/>
-                <a:tailEnd/>
-              </a:ln>
-            </p:spPr>
-          </p:pic>
-          <p:sp>
-            <p:nvSpPr>
-              <p:cNvPr id="23" name="Right Arrow 22"/>
-              <p:cNvSpPr/>
-              <p:nvPr/>
-            </p:nvSpPr>
-            <p:spPr>
-              <a:xfrm>
-                <a:off x="788047" y="4304785"/>
-                <a:ext cx="914400" cy="568960"/>
-              </a:xfrm>
-              <a:prstGeom prst="rightArrow">
-                <a:avLst/>
-              </a:prstGeom>
-            </p:spPr>
-            <p:style>
-              <a:lnRef idx="1">
-                <a:schemeClr val="accent2"/>
-              </a:lnRef>
-              <a:fillRef idx="2">
-                <a:schemeClr val="accent2"/>
-              </a:fillRef>
-              <a:effectRef idx="1">
-                <a:schemeClr val="accent2"/>
-              </a:effectRef>
-              <a:fontRef idx="minor">
-                <a:schemeClr val="dk1"/>
-              </a:fontRef>
-            </p:style>
-            <p:txBody>
-              <a:bodyPr rtlCol="0" anchor="ctr"/>
-              <a:lstStyle/>
-              <a:p>
-                <a:pPr algn="ctr"/>
-                <a:r>
-                  <a:rPr lang="de-DE" sz="3300" dirty="0" smtClean="0"/>
-                  <a:t>Migration</a:t>
-                </a:r>
-                <a:endParaRPr lang="de-DE" sz="3300" dirty="0"/>
-              </a:p>
-            </p:txBody>
-          </p:sp>
-        </p:grpSp>
-        <p:grpSp>
-          <p:nvGrpSpPr>
-            <p:cNvPr id="8" name="Group 7"/>
-            <p:cNvGrpSpPr/>
-            <p:nvPr/>
-          </p:nvGrpSpPr>
-          <p:grpSpPr>
-            <a:xfrm>
-              <a:off x="304800" y="4953000"/>
-              <a:ext cx="1828800" cy="574781"/>
-              <a:chOff x="304800" y="4953000"/>
-              <a:chExt cx="1828800" cy="574781"/>
-            </a:xfrm>
-          </p:grpSpPr>
-          <p:pic>
-            <p:nvPicPr>
-              <p:cNvPr id="20" name="Picture 19" descr="Necrosis.png"/>
+              <p:cNvPr id="93" name="Picture 92" descr="imgres.jpg"/>
               <p:cNvPicPr>
                 <a:picLocks noChangeAspect="1"/>
               </p:cNvPicPr>
               <p:nvPr/>
             </p:nvPicPr>
             <p:blipFill>
-              <a:blip r:embed="rId3" cstate="print"/>
+              <a:blip r:embed="rId4">
+                <a:duotone>
+                  <a:schemeClr val="accent6">
+                    <a:shade val="45000"/>
+                    <a:satMod val="135000"/>
+                  </a:schemeClr>
+                  <a:prstClr val="white"/>
+                </a:duotone>
+                <a:extLst>
+                  <a:ext uri="{28A0092B-C50C-407E-A947-70E740481C1C}">
+                    <a14:useLocalDpi xmlns:a14="http://schemas.microsoft.com/office/drawing/2010/main" val="0"/>
+                  </a:ext>
+                </a:extLst>
+              </a:blip>
               <a:stretch>
                 <a:fillRect/>
               </a:stretch>
             </p:blipFill>
             <p:spPr>
               <a:xfrm>
-                <a:off x="304800" y="4953000"/>
-                <a:ext cx="1828800" cy="572756"/>
+                <a:off x="0" y="560783"/>
+                <a:ext cx="1452319" cy="2251094"/>
               </a:xfrm>
               <a:prstGeom prst="rect">
                 <a:avLst/>
@@ -3240,79 +3975,107 @@
           </p:pic>
           <p:sp>
             <p:nvSpPr>
-              <p:cNvPr id="21" name="Right Arrow 20"/>
+              <p:cNvPr id="94" name="Rectangle 93"/>
               <p:cNvSpPr/>
               <p:nvPr/>
             </p:nvSpPr>
             <p:spPr>
               <a:xfrm>
-                <a:off x="788047" y="4958821"/>
-                <a:ext cx="914400" cy="568960"/>
+                <a:off x="596101" y="842267"/>
+                <a:ext cx="856218" cy="1969609"/>
               </a:xfrm>
-              <a:prstGeom prst="rightArrow">
+              <a:prstGeom prst="rect">
                 <a:avLst/>
               </a:prstGeom>
+              <a:solidFill>
+                <a:schemeClr val="lt1">
+                  <a:alpha val="0"/>
+                </a:schemeClr>
+              </a:solidFill>
+              <a:ln>
+                <a:noFill/>
+              </a:ln>
             </p:spPr>
             <p:style>
-              <a:lnRef idx="1">
-                <a:schemeClr val="accent2"/>
+              <a:lnRef idx="2">
+                <a:schemeClr val="dk1"/>
               </a:lnRef>
-              <a:fillRef idx="2">
-                <a:schemeClr val="accent2"/>
+              <a:fillRef idx="1">
+                <a:schemeClr val="lt1"/>
               </a:fillRef>
-              <a:effectRef idx="1">
-                <a:schemeClr val="accent2"/>
+              <a:effectRef idx="0">
+                <a:schemeClr val="dk1"/>
               </a:effectRef>
               <a:fontRef idx="minor">
                 <a:schemeClr val="dk1"/>
               </a:fontRef>
             </p:style>
             <p:txBody>
-              <a:bodyPr rtlCol="0" anchor="ctr"/>
+              <a:bodyPr vert="vert270" rtlCol="0" anchor="t"/>
               <a:lstStyle/>
               <a:p>
                 <a:pPr algn="ctr"/>
                 <a:r>
-                  <a:rPr lang="de-DE" sz="4200" dirty="0" err="1" smtClean="0"/>
-                  <a:t>Death</a:t>
+                  <a:rPr lang="en-US" sz="2400" b="1" dirty="0"/>
+                  <a:t>Slave 1</a:t>
                 </a:r>
-                <a:endParaRPr lang="de-DE" sz="4200" dirty="0"/>
+              </a:p>
+              <a:p>
+                <a:pPr algn="ctr"/>
+                <a:endParaRPr lang="en-US" dirty="0"/>
+              </a:p>
+              <a:p>
+                <a:pPr algn="ctr"/>
+                <a:endParaRPr lang="en-US" dirty="0"/>
               </a:p>
             </p:txBody>
           </p:sp>
         </p:grpSp>
         <p:grpSp>
           <p:nvGrpSpPr>
-            <p:cNvPr id="9" name="Group 8"/>
+            <p:cNvPr id="95" name="Group 94"/>
             <p:cNvGrpSpPr/>
             <p:nvPr/>
           </p:nvGrpSpPr>
           <p:grpSpPr>
             <a:xfrm>
-              <a:off x="304800" y="5638800"/>
-              <a:ext cx="1828800" cy="583838"/>
-              <a:chOff x="304800" y="5638800"/>
-              <a:chExt cx="1828800" cy="583838"/>
+              <a:off x="7600218" y="2741495"/>
+              <a:ext cx="1452319" cy="2251094"/>
+              <a:chOff x="0" y="560783"/>
+              <a:chExt cx="1452319" cy="2251094"/>
             </a:xfrm>
           </p:grpSpPr>
           <p:pic>
             <p:nvPicPr>
-              <p:cNvPr id="18" name="Picture 17" descr="Lysis.png"/>
+              <p:cNvPr id="96" name="Picture 95" descr="imgres.jpg"/>
               <p:cNvPicPr>
                 <a:picLocks noChangeAspect="1"/>
               </p:cNvPicPr>
               <p:nvPr/>
             </p:nvPicPr>
             <p:blipFill>
-              <a:blip r:embed="rId4" cstate="print"/>
+              <a:blip r:embed="rId4">
+                <a:duotone>
+                  <a:schemeClr val="accent6">
+                    <a:shade val="45000"/>
+                    <a:satMod val="135000"/>
+                  </a:schemeClr>
+                  <a:prstClr val="white"/>
+                </a:duotone>
+                <a:extLst>
+                  <a:ext uri="{28A0092B-C50C-407E-A947-70E740481C1C}">
+                    <a14:useLocalDpi xmlns:a14="http://schemas.microsoft.com/office/drawing/2010/main" val="0"/>
+                  </a:ext>
+                </a:extLst>
+              </a:blip>
               <a:stretch>
                 <a:fillRect/>
               </a:stretch>
             </p:blipFill>
             <p:spPr>
               <a:xfrm>
-                <a:off x="304800" y="5638800"/>
-                <a:ext cx="1828800" cy="581813"/>
+                <a:off x="0" y="560783"/>
+                <a:ext cx="1452319" cy="2251094"/>
               </a:xfrm>
               <a:prstGeom prst="rect">
                 <a:avLst/>
@@ -3321,238 +4084,574 @@
           </p:pic>
           <p:sp>
             <p:nvSpPr>
-              <p:cNvPr id="19" name="Right Arrow 18"/>
+              <p:cNvPr id="97" name="Rectangle 96"/>
               <p:cNvSpPr/>
               <p:nvPr/>
             </p:nvSpPr>
             <p:spPr>
               <a:xfrm>
-                <a:off x="788047" y="5653678"/>
-                <a:ext cx="914400" cy="568960"/>
+                <a:off x="596101" y="842267"/>
+                <a:ext cx="856218" cy="1969609"/>
               </a:xfrm>
-              <a:prstGeom prst="rightArrow">
+              <a:prstGeom prst="rect">
                 <a:avLst/>
               </a:prstGeom>
+              <a:solidFill>
+                <a:schemeClr val="lt1">
+                  <a:alpha val="0"/>
+                </a:schemeClr>
+              </a:solidFill>
+              <a:ln>
+                <a:noFill/>
+              </a:ln>
             </p:spPr>
             <p:style>
-              <a:lnRef idx="1">
-                <a:schemeClr val="accent2"/>
+              <a:lnRef idx="2">
+                <a:schemeClr val="dk1"/>
               </a:lnRef>
-              <a:fillRef idx="2">
-                <a:schemeClr val="accent2"/>
+              <a:fillRef idx="1">
+                <a:schemeClr val="lt1"/>
               </a:fillRef>
-              <a:effectRef idx="1">
-                <a:schemeClr val="accent2"/>
+              <a:effectRef idx="0">
+                <a:schemeClr val="dk1"/>
               </a:effectRef>
               <a:fontRef idx="minor">
                 <a:schemeClr val="dk1"/>
               </a:fontRef>
             </p:style>
             <p:txBody>
-              <a:bodyPr rtlCol="0" anchor="ctr"/>
+              <a:bodyPr vert="vert270" rtlCol="0" anchor="t"/>
               <a:lstStyle/>
               <a:p>
                 <a:pPr algn="ctr"/>
                 <a:r>
-                  <a:rPr lang="de-DE" sz="4200" dirty="0" err="1" smtClean="0"/>
-                  <a:t>Lysis</a:t>
+                  <a:rPr lang="en-US" sz="2400" b="1" dirty="0"/>
+                  <a:t>Slave n</a:t>
                 </a:r>
-                <a:endParaRPr lang="de-DE" sz="4200" dirty="0"/>
+              </a:p>
+              <a:p>
+                <a:pPr algn="ctr"/>
+                <a:endParaRPr lang="en-US" dirty="0"/>
+              </a:p>
+              <a:p>
+                <a:pPr algn="ctr"/>
+                <a:endParaRPr lang="en-US" dirty="0"/>
               </a:p>
             </p:txBody>
           </p:sp>
         </p:grpSp>
+        <p:sp>
+          <p:nvSpPr>
+            <p:cNvPr id="106" name="Multidocument 105"/>
+            <p:cNvSpPr/>
+            <p:nvPr/>
+          </p:nvSpPr>
+          <p:spPr>
+            <a:xfrm>
+              <a:off x="-1512372" y="4357649"/>
+              <a:ext cx="1529130" cy="1269880"/>
+            </a:xfrm>
+            <a:prstGeom prst="flowChartMultidocument">
+              <a:avLst/>
+            </a:prstGeom>
+          </p:spPr>
+          <p:style>
+            <a:lnRef idx="2">
+              <a:schemeClr val="dk1"/>
+            </a:lnRef>
+            <a:fillRef idx="1">
+              <a:schemeClr val="lt1"/>
+            </a:fillRef>
+            <a:effectRef idx="0">
+              <a:schemeClr val="dk1"/>
+            </a:effectRef>
+            <a:fontRef idx="minor">
+              <a:schemeClr val="dk1"/>
+            </a:fontRef>
+          </p:style>
+          <p:txBody>
+            <a:bodyPr lIns="91429" tIns="45715" rIns="91429" bIns="45715" rtlCol="0" anchor="ctr"/>
+            <a:lstStyle/>
+            <a:p>
+              <a:pPr algn="ctr"/>
+              <a:r>
+                <a:rPr lang="en-US" b="1" dirty="0" smtClean="0"/>
+                <a:t>Population</a:t>
+              </a:r>
+            </a:p>
+            <a:p>
+              <a:pPr algn="ctr"/>
+              <a:r>
+                <a:rPr lang="en-US" b="1" dirty="0" smtClean="0"/>
+                <a:t>(t+1)</a:t>
+              </a:r>
+              <a:endParaRPr lang="en-US" b="1" dirty="0"/>
+            </a:p>
+          </p:txBody>
+        </p:sp>
+        <p:sp>
+          <p:nvSpPr>
+            <p:cNvPr id="107" name="TextBox 106"/>
+            <p:cNvSpPr txBox="1"/>
+            <p:nvPr/>
+          </p:nvSpPr>
+          <p:spPr>
+            <a:xfrm>
+              <a:off x="6030983" y="2461851"/>
+              <a:ext cx="2002590" cy="646331"/>
+            </a:xfrm>
+            <a:prstGeom prst="rect">
+              <a:avLst/>
+            </a:prstGeom>
+            <a:noFill/>
+          </p:spPr>
+          <p:txBody>
+            <a:bodyPr wrap="square" lIns="91429" tIns="45715" rIns="91429" bIns="45715" rtlCol="0">
+              <a:spAutoFit/>
+            </a:bodyPr>
+            <a:lstStyle/>
+            <a:p>
+              <a:pPr algn="ctr"/>
+              <a:r>
+                <a:rPr lang="en-US" dirty="0" smtClean="0"/>
+                <a:t>simulation &amp; summary statistics</a:t>
+              </a:r>
+              <a:endParaRPr lang="en-US" dirty="0"/>
+            </a:p>
+          </p:txBody>
+        </p:sp>
+        <p:pic>
+          <p:nvPicPr>
+            <p:cNvPr id="116" name="Picture 115"/>
+            <p:cNvPicPr>
+              <a:picLocks noChangeAspect="1"/>
+            </p:cNvPicPr>
+            <p:nvPr/>
+          </p:nvPicPr>
+          <p:blipFill>
+            <a:blip r:embed="rId5"/>
+            <a:stretch>
+              <a:fillRect/>
+            </a:stretch>
+          </p:blipFill>
+          <p:spPr>
+            <a:xfrm>
+              <a:off x="6222203" y="5625605"/>
+              <a:ext cx="1214248" cy="1443352"/>
+            </a:xfrm>
+            <a:prstGeom prst="rect">
+              <a:avLst/>
+            </a:prstGeom>
+          </p:spPr>
+        </p:pic>
+        <p:sp>
+          <p:nvSpPr>
+            <p:cNvPr id="129" name="Multidocument 128"/>
+            <p:cNvSpPr/>
+            <p:nvPr/>
+          </p:nvSpPr>
+          <p:spPr>
+            <a:xfrm>
+              <a:off x="-1512372" y="1991423"/>
+              <a:ext cx="1529130" cy="1269880"/>
+            </a:xfrm>
+            <a:prstGeom prst="flowChartMultidocument">
+              <a:avLst/>
+            </a:prstGeom>
+          </p:spPr>
+          <p:style>
+            <a:lnRef idx="2">
+              <a:schemeClr val="dk1"/>
+            </a:lnRef>
+            <a:fillRef idx="1">
+              <a:schemeClr val="lt1"/>
+            </a:fillRef>
+            <a:effectRef idx="0">
+              <a:schemeClr val="dk1"/>
+            </a:effectRef>
+            <a:fontRef idx="minor">
+              <a:schemeClr val="dk1"/>
+            </a:fontRef>
+          </p:style>
+          <p:txBody>
+            <a:bodyPr lIns="91429" tIns="45715" rIns="91429" bIns="45715" rtlCol="0" anchor="ctr"/>
+            <a:lstStyle/>
+            <a:p>
+              <a:pPr algn="ctr"/>
+              <a:r>
+                <a:rPr lang="en-US" b="1" dirty="0" smtClean="0"/>
+                <a:t>Population</a:t>
+              </a:r>
+            </a:p>
+            <a:p>
+              <a:pPr algn="ctr"/>
+              <a:r>
+                <a:rPr lang="en-US" b="1" dirty="0" smtClean="0"/>
+                <a:t>(t)</a:t>
+              </a:r>
+              <a:endParaRPr lang="en-US" b="1" dirty="0"/>
+            </a:p>
+          </p:txBody>
+        </p:sp>
+        <p:sp>
+          <p:nvSpPr>
+            <p:cNvPr id="146" name="TextBox 145"/>
+            <p:cNvSpPr txBox="1"/>
+            <p:nvPr/>
+          </p:nvSpPr>
+          <p:spPr>
+            <a:xfrm>
+              <a:off x="4333582" y="5946845"/>
+              <a:ext cx="803901" cy="369332"/>
+            </a:xfrm>
+            <a:prstGeom prst="rect">
+              <a:avLst/>
+            </a:prstGeom>
+            <a:noFill/>
+          </p:spPr>
+          <p:txBody>
+            <a:bodyPr wrap="none" lIns="91429" tIns="45715" rIns="91429" bIns="45715" rtlCol="0">
+              <a:spAutoFit/>
+            </a:bodyPr>
+            <a:lstStyle/>
+            <a:p>
+              <a:r>
+                <a:rPr lang="en-US" dirty="0" smtClean="0"/>
+                <a:t>accept</a:t>
+              </a:r>
+              <a:endParaRPr lang="en-US" dirty="0"/>
+            </a:p>
+          </p:txBody>
+        </p:sp>
+        <p:sp>
+          <p:nvSpPr>
+            <p:cNvPr id="151" name="Double Bracket 150"/>
+            <p:cNvSpPr/>
+            <p:nvPr/>
+          </p:nvSpPr>
+          <p:spPr>
+            <a:xfrm>
+              <a:off x="-714116" y="3587664"/>
+              <a:ext cx="1884946" cy="414421"/>
+            </a:xfrm>
+            <a:prstGeom prst="bracketPair">
+              <a:avLst/>
+            </a:prstGeom>
+          </p:spPr>
+          <p:style>
+            <a:lnRef idx="3">
+              <a:schemeClr val="dk1"/>
+            </a:lnRef>
+            <a:fillRef idx="0">
+              <a:schemeClr val="dk1"/>
+            </a:fillRef>
+            <a:effectRef idx="2">
+              <a:schemeClr val="dk1"/>
+            </a:effectRef>
+            <a:fontRef idx="minor">
+              <a:schemeClr val="tx1"/>
+            </a:fontRef>
+          </p:style>
+          <p:txBody>
+            <a:bodyPr lIns="91429" tIns="45715" rIns="91429" bIns="45715" rtlCol="0" anchor="ctr"/>
+            <a:lstStyle/>
+            <a:p>
+              <a:pPr algn="ctr"/>
+              <a:r>
+                <a:rPr lang="en-US" dirty="0" smtClean="0"/>
+                <a:t>if #accepted = </a:t>
+              </a:r>
+              <a:r>
+                <a:rPr lang="en-US" i="1" dirty="0">
+                  <a:latin typeface="Times"/>
+                  <a:cs typeface="Times"/>
+                </a:rPr>
+                <a:t>N</a:t>
+              </a:r>
+              <a:r>
+                <a:rPr lang="en-US" dirty="0" smtClean="0"/>
+                <a:t> </a:t>
+              </a:r>
+              <a:endParaRPr lang="en-US" dirty="0"/>
+            </a:p>
+          </p:txBody>
+        </p:sp>
+        <p:sp>
+          <p:nvSpPr>
+            <p:cNvPr id="152" name="Double Bracket 151"/>
+            <p:cNvSpPr/>
+            <p:nvPr/>
+          </p:nvSpPr>
+          <p:spPr>
+            <a:xfrm>
+              <a:off x="3455464" y="6414132"/>
+              <a:ext cx="2391719" cy="414421"/>
+            </a:xfrm>
+            <a:prstGeom prst="bracketPair">
+              <a:avLst/>
+            </a:prstGeom>
+          </p:spPr>
+          <p:style>
+            <a:lnRef idx="3">
+              <a:schemeClr val="dk1"/>
+            </a:lnRef>
+            <a:fillRef idx="0">
+              <a:schemeClr val="dk1"/>
+            </a:fillRef>
+            <a:effectRef idx="2">
+              <a:schemeClr val="dk1"/>
+            </a:effectRef>
+            <a:fontRef idx="minor">
+              <a:schemeClr val="tx1"/>
+            </a:fontRef>
+          </p:style>
+          <p:txBody>
+            <a:bodyPr lIns="91429" tIns="45715" rIns="91429" bIns="45715" rtlCol="0" anchor="ctr"/>
+            <a:lstStyle/>
+            <a:p>
+              <a:pPr algn="ctr"/>
+              <a:r>
+                <a:rPr lang="en-US" dirty="0" smtClean="0"/>
+                <a:t>if </a:t>
+              </a:r>
+              <a:r>
+                <a:rPr lang="en-US" i="1" dirty="0" smtClean="0">
+                  <a:latin typeface="Times"/>
+                  <a:cs typeface="Times"/>
+                </a:rPr>
+                <a:t>d</a:t>
+              </a:r>
+              <a:r>
+                <a:rPr lang="en-US" dirty="0" smtClean="0">
+                  <a:latin typeface="Times"/>
+                  <a:cs typeface="Times"/>
+                </a:rPr>
+                <a:t>(</a:t>
+              </a:r>
+              <a:r>
+                <a:rPr lang="en-US" i="1" dirty="0" smtClean="0">
+                  <a:latin typeface="Times"/>
+                  <a:cs typeface="Times"/>
+                </a:rPr>
+                <a:t>D*,D</a:t>
+              </a:r>
+              <a:r>
+                <a:rPr lang="en-US" dirty="0" smtClean="0">
+                  <a:latin typeface="Times"/>
+                  <a:cs typeface="Times"/>
+                </a:rPr>
+                <a:t>) </a:t>
+              </a:r>
+              <a:r>
+                <a:rPr lang="en-US" dirty="0">
+                  <a:latin typeface="Times"/>
+                  <a:cs typeface="Times"/>
+                </a:rPr>
+                <a:t>&lt;</a:t>
+              </a:r>
+              <a:r>
+                <a:rPr lang="en-US" dirty="0" smtClean="0">
+                  <a:latin typeface="Times"/>
+                  <a:cs typeface="Times"/>
+                </a:rPr>
+                <a:t> </a:t>
+              </a:r>
+              <a:r>
+                <a:rPr lang="en-US" i="1" dirty="0" err="1" smtClean="0">
+                  <a:latin typeface="Times"/>
+                  <a:cs typeface="Times"/>
+                </a:rPr>
+                <a:t>ε</a:t>
+              </a:r>
+              <a:r>
+                <a:rPr lang="en-US" i="1" baseline="-25000" dirty="0" err="1" smtClean="0">
+                  <a:latin typeface="Times"/>
+                  <a:cs typeface="Times"/>
+                </a:rPr>
+                <a:t>t</a:t>
+              </a:r>
+              <a:endParaRPr lang="en-US" i="1" baseline="-25000" dirty="0">
+                <a:latin typeface="Times"/>
+                <a:cs typeface="Times"/>
+              </a:endParaRPr>
+            </a:p>
+          </p:txBody>
+        </p:sp>
+        <p:sp>
+          <p:nvSpPr>
+            <p:cNvPr id="154" name="Double Bracket 153"/>
+            <p:cNvSpPr/>
+            <p:nvPr/>
+          </p:nvSpPr>
+          <p:spPr>
+            <a:xfrm>
+              <a:off x="3410076" y="1396047"/>
+              <a:ext cx="2484143" cy="414421"/>
+            </a:xfrm>
+            <a:prstGeom prst="bracketPair">
+              <a:avLst/>
+            </a:prstGeom>
+          </p:spPr>
+          <p:style>
+            <a:lnRef idx="3">
+              <a:schemeClr val="dk1"/>
+            </a:lnRef>
+            <a:fillRef idx="0">
+              <a:schemeClr val="dk1"/>
+            </a:fillRef>
+            <a:effectRef idx="2">
+              <a:schemeClr val="dk1"/>
+            </a:effectRef>
+            <a:fontRef idx="minor">
+              <a:schemeClr val="tx1"/>
+            </a:fontRef>
+          </p:style>
+          <p:txBody>
+            <a:bodyPr lIns="91429" tIns="45715" rIns="91429" bIns="45715" rtlCol="0" anchor="ctr"/>
+            <a:lstStyle/>
+            <a:p>
+              <a:pPr algn="ctr"/>
+              <a:r>
+                <a:rPr lang="en-US" dirty="0" smtClean="0"/>
+                <a:t>if #</a:t>
+              </a:r>
+              <a:r>
+                <a:rPr lang="en-US" dirty="0" err="1" smtClean="0"/>
+                <a:t>queued+running</a:t>
+              </a:r>
+              <a:r>
+                <a:rPr lang="en-US" dirty="0" smtClean="0"/>
+                <a:t> &lt; </a:t>
+              </a:r>
+              <a:r>
+                <a:rPr lang="en-US" i="1" dirty="0" smtClean="0">
+                  <a:latin typeface="Times"/>
+                  <a:cs typeface="Times"/>
+                </a:rPr>
+                <a:t>C</a:t>
+              </a:r>
+              <a:endParaRPr lang="en-US" i="1" dirty="0">
+                <a:latin typeface="Times"/>
+                <a:cs typeface="Times"/>
+              </a:endParaRPr>
+            </a:p>
+          </p:txBody>
+        </p:sp>
+        <p:sp>
+          <p:nvSpPr>
+            <p:cNvPr id="8" name="TextBox 7"/>
+            <p:cNvSpPr txBox="1"/>
+            <p:nvPr/>
+          </p:nvSpPr>
+          <p:spPr>
+            <a:xfrm>
+              <a:off x="6644657" y="3439126"/>
+              <a:ext cx="538829" cy="707886"/>
+            </a:xfrm>
+            <a:prstGeom prst="rect">
+              <a:avLst/>
+            </a:prstGeom>
+            <a:noFill/>
+          </p:spPr>
+          <p:txBody>
+            <a:bodyPr wrap="none" lIns="91429" tIns="45715" rIns="91429" bIns="45715" rtlCol="0">
+              <a:spAutoFit/>
+            </a:bodyPr>
+            <a:lstStyle/>
+            <a:p>
+              <a:r>
+                <a:rPr lang="en-US" sz="4000" dirty="0"/>
+                <a:t>…</a:t>
+              </a:r>
+            </a:p>
+          </p:txBody>
+        </p:sp>
         <p:grpSp>
           <p:nvGrpSpPr>
-            <p:cNvPr id="10" name="Group 9"/>
+            <p:cNvPr id="36" name="Group 35"/>
             <p:cNvGrpSpPr/>
             <p:nvPr/>
           </p:nvGrpSpPr>
           <p:grpSpPr>
             <a:xfrm>
-              <a:off x="304800" y="2893187"/>
-              <a:ext cx="3041535" cy="577088"/>
-              <a:chOff x="304800" y="2893187"/>
-              <a:chExt cx="3041535" cy="577088"/>
+              <a:off x="2520434" y="2719463"/>
+              <a:ext cx="1452319" cy="2251094"/>
+              <a:chOff x="0" y="560783"/>
+              <a:chExt cx="1452319" cy="2251094"/>
             </a:xfrm>
           </p:grpSpPr>
           <p:pic>
             <p:nvPicPr>
-              <p:cNvPr id="14" name="Picture 5" descr="model-process-division"/>
-              <p:cNvPicPr>
-                <a:picLocks noChangeAspect="1" noChangeArrowheads="1"/>
-              </p:cNvPicPr>
-              <p:nvPr/>
-            </p:nvPicPr>
-            <p:blipFill>
-              <a:blip r:embed="rId5" cstate="print"/>
-              <a:srcRect/>
-              <a:stretch>
-                <a:fillRect/>
-              </a:stretch>
-            </p:blipFill>
-            <p:spPr bwMode="auto">
-              <a:xfrm>
-                <a:off x="304800" y="2895600"/>
-                <a:ext cx="1828800" cy="568960"/>
-              </a:xfrm>
-              <a:prstGeom prst="rect">
-                <a:avLst/>
-              </a:prstGeom>
-              <a:noFill/>
-              <a:ln w="9525">
-                <a:noFill/>
-                <a:miter lim="800000"/>
-                <a:headEnd/>
-                <a:tailEnd/>
-              </a:ln>
-            </p:spPr>
-          </p:pic>
-          <p:pic>
-            <p:nvPicPr>
-              <p:cNvPr id="15" name="Picture 14" descr="Division2.png"/>
+              <p:cNvPr id="37" name="Picture 36" descr="imgres.jpg"/>
               <p:cNvPicPr>
                 <a:picLocks noChangeAspect="1"/>
               </p:cNvPicPr>
               <p:nvPr/>
             </p:nvPicPr>
             <p:blipFill>
-              <a:blip r:embed="rId6" cstate="print"/>
-              <a:srcRect r="87"/>
+              <a:blip r:embed="rId6">
+                <a:duotone>
+                  <a:schemeClr val="accent1">
+                    <a:shade val="45000"/>
+                    <a:satMod val="135000"/>
+                  </a:schemeClr>
+                  <a:prstClr val="white"/>
+                </a:duotone>
+                <a:extLst>
+                  <a:ext uri="{BEBA8EAE-BF5A-486C-A8C5-ECC9F3942E4B}">
+                    <a14:imgProps xmlns:a14="http://schemas.microsoft.com/office/drawing/2010/main">
+                      <a14:imgLayer r:embed="rId7">
+                        <a14:imgEffect>
+                          <a14:backgroundRemoval t="0" b="100000" l="0" r="100000">
+                            <a14:foregroundMark x1="31111" y1="96774" x2="31111" y2="96774"/>
+                            <a14:foregroundMark x1="70278" y1="87097" x2="70278" y2="87097"/>
+                            <a14:foregroundMark x1="14722" y1="67204" x2="14722" y2="67204"/>
+                            <a14:foregroundMark x1="26111" y1="51792" x2="26111" y2="51792"/>
+                            <a14:foregroundMark x1="41111" y1="25090" x2="41111" y2="25090"/>
+                            <a14:foregroundMark x1="43889" y1="12007" x2="43889" y2="12007"/>
+                            <a14:foregroundMark x1="13056" y1="78495" x2="13056" y2="78495"/>
+                            <a14:foregroundMark x1="12222" y1="45878" x2="12222" y2="45878"/>
+                            <a14:foregroundMark x1="15000" y1="40143" x2="15000" y2="40143"/>
+                            <a14:foregroundMark x1="2778" y1="48208" x2="2778" y2="48208"/>
+                            <a14:foregroundMark x1="1389" y1="38172" x2="1389" y2="38172"/>
+                            <a14:foregroundMark x1="2500" y1="23297" x2="2500" y2="23297"/>
+                            <a14:foregroundMark x1="2500" y1="31004" x2="2500" y2="31004"/>
+                            <a14:foregroundMark x1="1667" y1="52509" x2="1667" y2="52509"/>
+                            <a14:foregroundMark x1="2500" y1="64158" x2="2500" y2="64158"/>
+                            <a14:foregroundMark x1="1944" y1="77599" x2="1944" y2="77599"/>
+                            <a14:foregroundMark x1="45278" y1="97849" x2="45278" y2="97849"/>
+                            <a14:foregroundMark x1="83889" y1="82796" x2="83889" y2="82796"/>
+                            <a14:foregroundMark x1="97500" y1="77957" x2="97500" y2="77957"/>
+                            <a14:foregroundMark x1="97500" y1="64337" x2="97500" y2="64337"/>
+                            <a14:foregroundMark x1="97500" y1="41577" x2="97500" y2="41577"/>
+                            <a14:foregroundMark x1="97222" y1="49821" x2="97222" y2="49821"/>
+                            <a14:foregroundMark x1="97500" y1="26165" x2="97500" y2="26165"/>
+                            <a14:foregroundMark x1="96944" y1="19355" x2="96944" y2="19355"/>
+                            <a14:foregroundMark x1="85278" y1="12186" x2="85278" y2="12186"/>
+                            <a14:foregroundMark x1="54444" y1="32975" x2="54444" y2="32975"/>
+                            <a14:foregroundMark x1="42222" y1="37276" x2="42222" y2="37276"/>
+                            <a14:foregroundMark x1="43611" y1="44444" x2="43611" y2="44444"/>
+                            <a14:foregroundMark x1="43611" y1="70251" x2="43611" y2="70251"/>
+                            <a14:foregroundMark x1="42778" y1="80466" x2="42778" y2="80466"/>
+                            <a14:foregroundMark x1="43056" y1="57527" x2="43056" y2="57527"/>
+                          </a14:backgroundRemoval>
+                        </a14:imgEffect>
+                      </a14:imgLayer>
+                    </a14:imgProps>
+                  </a:ext>
+                  <a:ext uri="{28A0092B-C50C-407E-A947-70E740481C1C}">
+                    <a14:useLocalDpi xmlns:a14="http://schemas.microsoft.com/office/drawing/2010/main" val="0"/>
+                  </a:ext>
+                </a:extLst>
+              </a:blip>
               <a:stretch>
                 <a:fillRect/>
               </a:stretch>
             </p:blipFill>
             <p:spPr>
               <a:xfrm>
-                <a:off x="1517535" y="2896697"/>
-                <a:ext cx="1828800" cy="573578"/>
-              </a:xfrm>
-              <a:prstGeom prst="rect">
-                <a:avLst/>
-              </a:prstGeom>
-              <a:solidFill>
-                <a:srgbClr val="FFFFFF"/>
-              </a:solidFill>
-            </p:spPr>
-          </p:pic>
-          <p:sp>
-            <p:nvSpPr>
-              <p:cNvPr id="16" name="Right Arrow 15"/>
-              <p:cNvSpPr/>
-              <p:nvPr/>
-            </p:nvSpPr>
-            <p:spPr>
-              <a:xfrm>
-                <a:off x="1940880" y="2893187"/>
-                <a:ext cx="914400" cy="568960"/>
-              </a:xfrm>
-              <a:prstGeom prst="rightArrow">
-                <a:avLst/>
-              </a:prstGeom>
-            </p:spPr>
-            <p:style>
-              <a:lnRef idx="1">
-                <a:schemeClr val="accent2"/>
-              </a:lnRef>
-              <a:fillRef idx="2">
-                <a:schemeClr val="accent2"/>
-              </a:fillRef>
-              <a:effectRef idx="1">
-                <a:schemeClr val="accent2"/>
-              </a:effectRef>
-              <a:fontRef idx="minor">
-                <a:schemeClr val="dk1"/>
-              </a:fontRef>
-            </p:style>
-            <p:txBody>
-              <a:bodyPr rtlCol="0" anchor="ctr"/>
-              <a:lstStyle/>
-              <a:p>
-                <a:pPr algn="ctr"/>
-                <a:r>
-                  <a:rPr lang="de-DE" sz="4200" dirty="0" smtClean="0"/>
-                  <a:t>Division</a:t>
-                </a:r>
-                <a:endParaRPr lang="de-DE" sz="4200" dirty="0"/>
-              </a:p>
-            </p:txBody>
-          </p:sp>
-          <p:sp>
-            <p:nvSpPr>
-              <p:cNvPr id="17" name="Right Arrow 16"/>
-              <p:cNvSpPr/>
-              <p:nvPr/>
-            </p:nvSpPr>
-            <p:spPr>
-              <a:xfrm>
-                <a:off x="787400" y="2894965"/>
-                <a:ext cx="914400" cy="568960"/>
-              </a:xfrm>
-              <a:prstGeom prst="rightArrow">
-                <a:avLst/>
-              </a:prstGeom>
-            </p:spPr>
-            <p:style>
-              <a:lnRef idx="1">
-                <a:schemeClr val="accent2"/>
-              </a:lnRef>
-              <a:fillRef idx="2">
-                <a:schemeClr val="accent2"/>
-              </a:fillRef>
-              <a:effectRef idx="1">
-                <a:schemeClr val="accent2"/>
-              </a:effectRef>
-              <a:fontRef idx="minor">
-                <a:schemeClr val="dk1"/>
-              </a:fontRef>
-            </p:style>
-            <p:txBody>
-              <a:bodyPr rtlCol="0" anchor="ctr"/>
-              <a:lstStyle/>
-              <a:p>
-                <a:pPr algn="ctr"/>
-                <a:r>
-                  <a:rPr lang="de-DE" sz="4200" dirty="0" smtClean="0"/>
-                  <a:t>Growth</a:t>
-                </a:r>
-                <a:endParaRPr lang="de-DE" sz="4200" dirty="0"/>
-              </a:p>
-            </p:txBody>
-          </p:sp>
-        </p:grpSp>
-        <p:grpSp>
-          <p:nvGrpSpPr>
-            <p:cNvPr id="11" name="Group 10"/>
-            <p:cNvGrpSpPr/>
-            <p:nvPr/>
-          </p:nvGrpSpPr>
-          <p:grpSpPr>
-            <a:xfrm>
-              <a:off x="304800" y="3579622"/>
-              <a:ext cx="1828800" cy="584971"/>
-              <a:chOff x="304800" y="3579622"/>
-              <a:chExt cx="1828800" cy="584971"/>
-            </a:xfrm>
-          </p:grpSpPr>
-          <p:pic>
-            <p:nvPicPr>
-              <p:cNvPr id="12" name="Picture 11" descr="Shifting.png"/>
-              <p:cNvPicPr>
-                <a:picLocks noChangeAspect="1"/>
-              </p:cNvPicPr>
-              <p:nvPr/>
-            </p:nvPicPr>
-            <p:blipFill>
-              <a:blip r:embed="rId7" cstate="print"/>
-              <a:stretch>
-                <a:fillRect/>
-              </a:stretch>
-            </p:blipFill>
-            <p:spPr>
-              <a:xfrm>
-                <a:off x="304800" y="3581400"/>
-                <a:ext cx="1828800" cy="583193"/>
+                <a:off x="0" y="560783"/>
+                <a:ext cx="1452319" cy="2251094"/>
               </a:xfrm>
               <a:prstGeom prst="rect">
                 <a:avLst/>
@@ -3561,58 +4660,2266 @@
           </p:pic>
           <p:sp>
             <p:nvSpPr>
-              <p:cNvPr id="13" name="Right Arrow 12"/>
+              <p:cNvPr id="38" name="Rectangle 37"/>
               <p:cNvSpPr/>
               <p:nvPr/>
             </p:nvSpPr>
             <p:spPr>
               <a:xfrm>
-                <a:off x="787400" y="3579622"/>
-                <a:ext cx="914400" cy="566928"/>
+                <a:off x="596101" y="842267"/>
+                <a:ext cx="856218" cy="1969609"/>
               </a:xfrm>
-              <a:prstGeom prst="rightArrow">
+              <a:prstGeom prst="rect">
                 <a:avLst/>
               </a:prstGeom>
+              <a:solidFill>
+                <a:schemeClr val="lt1">
+                  <a:alpha val="0"/>
+                </a:schemeClr>
+              </a:solidFill>
+              <a:ln>
+                <a:noFill/>
+              </a:ln>
             </p:spPr>
             <p:style>
-              <a:lnRef idx="1">
-                <a:schemeClr val="accent2"/>
+              <a:lnRef idx="2">
+                <a:schemeClr val="dk1"/>
               </a:lnRef>
-              <a:fillRef idx="2">
-                <a:schemeClr val="accent2"/>
+              <a:fillRef idx="1">
+                <a:schemeClr val="lt1"/>
               </a:fillRef>
-              <a:effectRef idx="1">
-                <a:schemeClr val="accent2"/>
+              <a:effectRef idx="0">
+                <a:schemeClr val="dk1"/>
               </a:effectRef>
               <a:fontRef idx="minor">
                 <a:schemeClr val="dk1"/>
               </a:fontRef>
             </p:style>
             <p:txBody>
-              <a:bodyPr rtlCol="0" anchor="ctr"/>
+              <a:bodyPr vert="vert270" rtlCol="0" anchor="t"/>
               <a:lstStyle/>
               <a:p>
                 <a:pPr algn="ctr"/>
                 <a:r>
-                  <a:rPr lang="de-DE" sz="4200" dirty="0" smtClean="0"/>
-                  <a:t>Growth</a:t>
+                  <a:rPr lang="en-US" sz="2400" b="1" dirty="0"/>
+                  <a:t>Master</a:t>
                 </a:r>
-                <a:endParaRPr lang="de-DE" sz="4200" dirty="0"/>
+              </a:p>
+              <a:p>
+                <a:pPr algn="ctr"/>
+                <a:endParaRPr lang="en-US" dirty="0"/>
+              </a:p>
+              <a:p>
+                <a:pPr algn="ctr"/>
+                <a:endParaRPr lang="en-US" dirty="0"/>
               </a:p>
             </p:txBody>
           </p:sp>
         </p:grpSp>
+        <p:cxnSp>
+          <p:nvCxnSpPr>
+            <p:cNvPr id="42" name="Elbow Connector 41"/>
+            <p:cNvCxnSpPr>
+              <a:stCxn id="116" idx="1"/>
+              <a:endCxn id="37" idx="2"/>
+            </p:cNvCxnSpPr>
+            <p:nvPr/>
+          </p:nvCxnSpPr>
+          <p:spPr>
+            <a:xfrm rot="10800000">
+              <a:off x="3246593" y="4970557"/>
+              <a:ext cx="2975610" cy="1376724"/>
+            </a:xfrm>
+            <a:prstGeom prst="bentConnector2">
+              <a:avLst/>
+            </a:prstGeom>
+            <a:ln>
+              <a:tailEnd type="arrow"/>
+            </a:ln>
+          </p:spPr>
+          <p:style>
+            <a:lnRef idx="3">
+              <a:schemeClr val="dk1"/>
+            </a:lnRef>
+            <a:fillRef idx="0">
+              <a:schemeClr val="dk1"/>
+            </a:fillRef>
+            <a:effectRef idx="2">
+              <a:schemeClr val="dk1"/>
+            </a:effectRef>
+            <a:fontRef idx="minor">
+              <a:schemeClr val="tx1"/>
+            </a:fontRef>
+          </p:style>
+        </p:cxnSp>
+        <p:cxnSp>
+          <p:nvCxnSpPr>
+            <p:cNvPr id="45" name="Elbow Connector 44"/>
+            <p:cNvCxnSpPr>
+              <a:stCxn id="37" idx="0"/>
+              <a:endCxn id="6" idx="1"/>
+            </p:cNvCxnSpPr>
+            <p:nvPr/>
+          </p:nvCxnSpPr>
+          <p:spPr>
+            <a:xfrm rot="5400000" flipH="1" flipV="1">
+              <a:off x="3941167" y="589543"/>
+              <a:ext cx="1435347" cy="2824494"/>
+            </a:xfrm>
+            <a:prstGeom prst="bentConnector2">
+              <a:avLst/>
+            </a:prstGeom>
+            <a:ln>
+              <a:tailEnd type="arrow"/>
+            </a:ln>
+          </p:spPr>
+          <p:style>
+            <a:lnRef idx="3">
+              <a:schemeClr val="dk1"/>
+            </a:lnRef>
+            <a:fillRef idx="0">
+              <a:schemeClr val="dk1"/>
+            </a:fillRef>
+            <a:effectRef idx="2">
+              <a:schemeClr val="dk1"/>
+            </a:effectRef>
+            <a:fontRef idx="minor">
+              <a:schemeClr val="tx1"/>
+            </a:fontRef>
+          </p:style>
+        </p:cxnSp>
+        <p:cxnSp>
+          <p:nvCxnSpPr>
+            <p:cNvPr id="22" name="Straight Connector 21"/>
+            <p:cNvCxnSpPr>
+              <a:stCxn id="37" idx="0"/>
+            </p:cNvCxnSpPr>
+            <p:nvPr/>
+          </p:nvCxnSpPr>
+          <p:spPr>
+            <a:xfrm flipH="1" flipV="1">
+              <a:off x="1336723" y="1232283"/>
+              <a:ext cx="1909871" cy="1487180"/>
+            </a:xfrm>
+            <a:prstGeom prst="line">
+              <a:avLst/>
+            </a:prstGeom>
+            <a:ln w="38100" cmpd="sng"/>
+          </p:spPr>
+          <p:style>
+            <a:lnRef idx="2">
+              <a:schemeClr val="accent1"/>
+            </a:lnRef>
+            <a:fillRef idx="0">
+              <a:schemeClr val="accent1"/>
+            </a:fillRef>
+            <a:effectRef idx="1">
+              <a:schemeClr val="accent1"/>
+            </a:effectRef>
+            <a:fontRef idx="minor">
+              <a:schemeClr val="tx1"/>
+            </a:fontRef>
+          </p:style>
+        </p:cxnSp>
+        <p:cxnSp>
+          <p:nvCxnSpPr>
+            <p:cNvPr id="52" name="Straight Connector 51"/>
+            <p:cNvCxnSpPr/>
+            <p:nvPr/>
+          </p:nvCxnSpPr>
+          <p:spPr>
+            <a:xfrm flipH="1">
+              <a:off x="1336720" y="4970556"/>
+              <a:ext cx="1779814" cy="1376726"/>
+            </a:xfrm>
+            <a:prstGeom prst="line">
+              <a:avLst/>
+            </a:prstGeom>
+            <a:ln w="38100" cmpd="sng"/>
+          </p:spPr>
+          <p:style>
+            <a:lnRef idx="2">
+              <a:schemeClr val="accent1"/>
+            </a:lnRef>
+            <a:fillRef idx="0">
+              <a:schemeClr val="accent1"/>
+            </a:fillRef>
+            <a:effectRef idx="1">
+              <a:schemeClr val="accent1"/>
+            </a:effectRef>
+            <a:fontRef idx="minor">
+              <a:schemeClr val="tx1"/>
+            </a:fontRef>
+          </p:style>
+        </p:cxnSp>
+        <p:sp>
+          <p:nvSpPr>
+            <p:cNvPr id="65" name="TextBox 64"/>
+            <p:cNvSpPr txBox="1"/>
+            <p:nvPr/>
+          </p:nvSpPr>
+          <p:spPr>
+            <a:xfrm>
+              <a:off x="-1823039" y="3616040"/>
+              <a:ext cx="933271" cy="369322"/>
+            </a:xfrm>
+            <a:prstGeom prst="rect">
+              <a:avLst/>
+            </a:prstGeom>
+            <a:noFill/>
+          </p:spPr>
+          <p:txBody>
+            <a:bodyPr wrap="none" lIns="91429" tIns="45715" rIns="91429" bIns="45715" rtlCol="0">
+              <a:spAutoFit/>
+            </a:bodyPr>
+            <a:lstStyle/>
+            <a:p>
+              <a:r>
+                <a:rPr lang="en-US" i="1" dirty="0" smtClean="0">
+                  <a:latin typeface="Times"/>
+                  <a:cs typeface="Times"/>
+                </a:rPr>
+                <a:t>t </a:t>
+              </a:r>
+              <a:r>
+                <a:rPr lang="en-US" dirty="0" smtClean="0">
+                  <a:latin typeface="Times"/>
+                  <a:cs typeface="Times"/>
+                </a:rPr>
+                <a:t>= </a:t>
+              </a:r>
+              <a:r>
+                <a:rPr lang="en-US" i="1" dirty="0" smtClean="0">
+                  <a:latin typeface="Times"/>
+                  <a:cs typeface="Times"/>
+                </a:rPr>
+                <a:t>t </a:t>
+              </a:r>
+              <a:r>
+                <a:rPr lang="en-US" dirty="0" smtClean="0">
+                  <a:latin typeface="Times"/>
+                  <a:cs typeface="Times"/>
+                </a:rPr>
+                <a:t>+ 1</a:t>
+              </a:r>
+              <a:endParaRPr lang="en-US" dirty="0">
+                <a:latin typeface="Times"/>
+                <a:cs typeface="Times"/>
+              </a:endParaRPr>
+            </a:p>
+          </p:txBody>
+        </p:sp>
+        <p:cxnSp>
+          <p:nvCxnSpPr>
+            <p:cNvPr id="39" name="Straight Arrow Connector 38"/>
+            <p:cNvCxnSpPr/>
+            <p:nvPr/>
+          </p:nvCxnSpPr>
+          <p:spPr>
+            <a:xfrm flipV="1">
+              <a:off x="-873188" y="5570423"/>
+              <a:ext cx="0" cy="776860"/>
+            </a:xfrm>
+            <a:prstGeom prst="straightConnector1">
+              <a:avLst/>
+            </a:prstGeom>
+            <a:ln>
+              <a:tailEnd type="arrow"/>
+            </a:ln>
+          </p:spPr>
+          <p:style>
+            <a:lnRef idx="3">
+              <a:schemeClr val="dk1"/>
+            </a:lnRef>
+            <a:fillRef idx="0">
+              <a:schemeClr val="dk1"/>
+            </a:fillRef>
+            <a:effectRef idx="2">
+              <a:schemeClr val="dk1"/>
+            </a:effectRef>
+            <a:fontRef idx="minor">
+              <a:schemeClr val="tx1"/>
+            </a:fontRef>
+          </p:style>
+        </p:cxnSp>
+        <p:cxnSp>
+          <p:nvCxnSpPr>
+            <p:cNvPr id="69" name="Straight Arrow Connector 68"/>
+            <p:cNvCxnSpPr/>
+            <p:nvPr/>
+          </p:nvCxnSpPr>
+          <p:spPr>
+            <a:xfrm flipV="1">
+              <a:off x="-889768" y="1232283"/>
+              <a:ext cx="0" cy="776860"/>
+            </a:xfrm>
+            <a:prstGeom prst="straightConnector1">
+              <a:avLst/>
+            </a:prstGeom>
+            <a:ln>
+              <a:tailEnd type="arrow"/>
+            </a:ln>
+          </p:spPr>
+          <p:style>
+            <a:lnRef idx="3">
+              <a:schemeClr val="dk1"/>
+            </a:lnRef>
+            <a:fillRef idx="0">
+              <a:schemeClr val="dk1"/>
+            </a:fillRef>
+            <a:effectRef idx="2">
+              <a:schemeClr val="dk1"/>
+            </a:effectRef>
+            <a:fontRef idx="minor">
+              <a:schemeClr val="tx1"/>
+            </a:fontRef>
+          </p:style>
+        </p:cxnSp>
+        <p:cxnSp>
+          <p:nvCxnSpPr>
+            <p:cNvPr id="70" name="Straight Arrow Connector 69"/>
+            <p:cNvCxnSpPr/>
+            <p:nvPr/>
+          </p:nvCxnSpPr>
+          <p:spPr>
+            <a:xfrm flipV="1">
+              <a:off x="-889768" y="3227880"/>
+              <a:ext cx="0" cy="1112499"/>
+            </a:xfrm>
+            <a:prstGeom prst="straightConnector1">
+              <a:avLst/>
+            </a:prstGeom>
+            <a:ln w="38100" cmpd="sng">
+              <a:prstDash val="sysDash"/>
+              <a:tailEnd type="arrow"/>
+            </a:ln>
+          </p:spPr>
+          <p:style>
+            <a:lnRef idx="3">
+              <a:schemeClr val="dk1"/>
+            </a:lnRef>
+            <a:fillRef idx="0">
+              <a:schemeClr val="dk1"/>
+            </a:fillRef>
+            <a:effectRef idx="2">
+              <a:schemeClr val="dk1"/>
+            </a:effectRef>
+            <a:fontRef idx="minor">
+              <a:schemeClr val="tx1"/>
+            </a:fontRef>
+          </p:style>
+        </p:cxnSp>
+        <p:sp>
+          <p:nvSpPr>
+            <p:cNvPr id="3" name="TextBox 2"/>
+            <p:cNvSpPr txBox="1"/>
+            <p:nvPr/>
+          </p:nvSpPr>
+          <p:spPr>
+            <a:xfrm>
+              <a:off x="153741" y="1329777"/>
+              <a:ext cx="1171565" cy="400110"/>
+            </a:xfrm>
+            <a:prstGeom prst="rect">
+              <a:avLst/>
+            </a:prstGeom>
+            <a:noFill/>
+          </p:spPr>
+          <p:txBody>
+            <a:bodyPr wrap="none" rtlCol="0">
+              <a:spAutoFit/>
+            </a:bodyPr>
+            <a:lstStyle/>
+            <a:p>
+              <a:r>
+                <a:rPr lang="en-US" sz="2000" b="1" dirty="0" smtClean="0"/>
+                <a:t>ABC SMC</a:t>
+              </a:r>
+              <a:endParaRPr lang="en-US" sz="1200" b="1" dirty="0"/>
+            </a:p>
+          </p:txBody>
+        </p:sp>
+        <p:sp>
+          <p:nvSpPr>
+            <p:cNvPr id="40" name="TextBox 39"/>
+            <p:cNvSpPr txBox="1"/>
+            <p:nvPr/>
+          </p:nvSpPr>
+          <p:spPr>
+            <a:xfrm>
+              <a:off x="-873188" y="1441136"/>
+              <a:ext cx="1027069" cy="369332"/>
+            </a:xfrm>
+            <a:prstGeom prst="rect">
+              <a:avLst/>
+            </a:prstGeom>
+            <a:noFill/>
+          </p:spPr>
+          <p:txBody>
+            <a:bodyPr wrap="none" lIns="91429" tIns="45715" rIns="91429" bIns="45715" rtlCol="0">
+              <a:spAutoFit/>
+            </a:bodyPr>
+            <a:lstStyle/>
+            <a:p>
+              <a:r>
+                <a:rPr lang="en-US" dirty="0" smtClean="0"/>
+                <a:t>sampling</a:t>
+              </a:r>
+              <a:endParaRPr lang="en-US" dirty="0"/>
+            </a:p>
+          </p:txBody>
+        </p:sp>
+        <p:sp>
+          <p:nvSpPr>
+            <p:cNvPr id="41" name="TextBox 40"/>
+            <p:cNvSpPr txBox="1"/>
+            <p:nvPr/>
+          </p:nvSpPr>
+          <p:spPr>
+            <a:xfrm>
+              <a:off x="-873188" y="5762179"/>
+              <a:ext cx="1537741" cy="369322"/>
+            </a:xfrm>
+            <a:prstGeom prst="rect">
+              <a:avLst/>
+            </a:prstGeom>
+            <a:noFill/>
+          </p:spPr>
+          <p:txBody>
+            <a:bodyPr wrap="none" lIns="91429" tIns="45715" rIns="91429" bIns="45715" rtlCol="0">
+              <a:spAutoFit/>
+            </a:bodyPr>
+            <a:lstStyle/>
+            <a:p>
+              <a:r>
+                <a:rPr lang="en-US" dirty="0" smtClean="0"/>
+                <a:t>accept / reject</a:t>
+              </a:r>
+              <a:endParaRPr lang="en-US" dirty="0"/>
+            </a:p>
+          </p:txBody>
+        </p:sp>
+      </p:grpSp>
+      <p:sp>
+        <p:nvSpPr>
+          <p:cNvPr id="43" name="Title 1"/>
+          <p:cNvSpPr>
+            <a:spLocks noGrp="1"/>
+          </p:cNvSpPr>
+          <p:nvPr>
+            <p:ph type="title"/>
+          </p:nvPr>
+        </p:nvSpPr>
+        <p:spPr>
+          <a:xfrm>
+            <a:off x="457200" y="0"/>
+            <a:ext cx="8229600" cy="1143000"/>
+          </a:xfrm>
+        </p:spPr>
+        <p:txBody>
+          <a:bodyPr/>
+          <a:lstStyle/>
+          <a:p>
+            <a:r>
+              <a:rPr lang="en-US" dirty="0" smtClean="0"/>
+              <a:t>Pipeline</a:t>
+            </a:r>
+            <a:endParaRPr lang="en-US" dirty="0"/>
+          </a:p>
+        </p:txBody>
+      </p:sp>
+      <p:cxnSp>
+        <p:nvCxnSpPr>
+          <p:cNvPr id="46" name="Straight Connector 45"/>
+          <p:cNvCxnSpPr/>
+          <p:nvPr/>
+        </p:nvCxnSpPr>
+        <p:spPr>
+          <a:xfrm flipV="1">
+            <a:off x="9052537" y="1232285"/>
+            <a:ext cx="1132603" cy="1875898"/>
+          </a:xfrm>
+          <a:prstGeom prst="line">
+            <a:avLst/>
+          </a:prstGeom>
+          <a:ln/>
+        </p:spPr>
+        <p:style>
+          <a:lnRef idx="3">
+            <a:schemeClr val="accent6"/>
+          </a:lnRef>
+          <a:fillRef idx="0">
+            <a:schemeClr val="accent6"/>
+          </a:fillRef>
+          <a:effectRef idx="2">
+            <a:schemeClr val="accent6"/>
+          </a:effectRef>
+          <a:fontRef idx="minor">
+            <a:schemeClr val="tx1"/>
+          </a:fontRef>
+        </p:style>
+      </p:cxnSp>
+      <p:cxnSp>
+        <p:nvCxnSpPr>
+          <p:cNvPr id="47" name="Straight Connector 46"/>
+          <p:cNvCxnSpPr/>
+          <p:nvPr/>
+        </p:nvCxnSpPr>
+        <p:spPr>
+          <a:xfrm>
+            <a:off x="9052537" y="4500418"/>
+            <a:ext cx="1132603" cy="1815759"/>
+          </a:xfrm>
+          <a:prstGeom prst="line">
+            <a:avLst/>
+          </a:prstGeom>
+          <a:ln/>
+        </p:spPr>
+        <p:style>
+          <a:lnRef idx="3">
+            <a:schemeClr val="accent6"/>
+          </a:lnRef>
+          <a:fillRef idx="0">
+            <a:schemeClr val="accent6"/>
+          </a:fillRef>
+          <a:effectRef idx="2">
+            <a:schemeClr val="accent6"/>
+          </a:effectRef>
+          <a:fontRef idx="minor">
+            <a:schemeClr val="tx1"/>
+          </a:fontRef>
+        </p:style>
+      </p:cxnSp>
+      <p:sp>
+        <p:nvSpPr>
+          <p:cNvPr id="60" name="Rectangle 59"/>
+          <p:cNvSpPr/>
+          <p:nvPr/>
+        </p:nvSpPr>
+        <p:spPr>
+          <a:xfrm>
+            <a:off x="4019362" y="7656310"/>
+            <a:ext cx="5486371" cy="396737"/>
+          </a:xfrm>
+          <a:prstGeom prst="rect">
+            <a:avLst/>
+          </a:prstGeom>
+          <a:ln/>
+        </p:spPr>
+        <p:style>
+          <a:lnRef idx="2">
+            <a:schemeClr val="dk1"/>
+          </a:lnRef>
+          <a:fillRef idx="1">
+            <a:schemeClr val="lt1"/>
+          </a:fillRef>
+          <a:effectRef idx="0">
+            <a:schemeClr val="dk1"/>
+          </a:effectRef>
+          <a:fontRef idx="minor">
+            <a:schemeClr val="dk1"/>
+          </a:fontRef>
+        </p:style>
+        <p:txBody>
+          <a:bodyPr lIns="91429" tIns="45715" rIns="91429" bIns="45715" rtlCol="0" anchor="ctr"/>
+          <a:lstStyle/>
+          <a:p>
+            <a:pPr algn="ctr"/>
+            <a:endParaRPr lang="en-US"/>
+          </a:p>
+        </p:txBody>
+      </p:sp>
+      <p:cxnSp>
+        <p:nvCxnSpPr>
+          <p:cNvPr id="61" name="Straight Connector 60"/>
+          <p:cNvCxnSpPr/>
+          <p:nvPr/>
+        </p:nvCxnSpPr>
+        <p:spPr>
+          <a:xfrm>
+            <a:off x="7436451" y="6958877"/>
+            <a:ext cx="2069282" cy="697433"/>
+          </a:xfrm>
+          <a:prstGeom prst="line">
+            <a:avLst/>
+          </a:prstGeom>
+          <a:ln/>
+        </p:spPr>
+        <p:style>
+          <a:lnRef idx="2">
+            <a:schemeClr val="dk1"/>
+          </a:lnRef>
+          <a:fillRef idx="1">
+            <a:schemeClr val="lt1"/>
+          </a:fillRef>
+          <a:effectRef idx="0">
+            <a:schemeClr val="dk1"/>
+          </a:effectRef>
+          <a:fontRef idx="minor">
+            <a:schemeClr val="dk1"/>
+          </a:fontRef>
+        </p:style>
+      </p:cxnSp>
+      <p:cxnSp>
+        <p:nvCxnSpPr>
+          <p:cNvPr id="64" name="Straight Connector 63"/>
+          <p:cNvCxnSpPr/>
+          <p:nvPr/>
+        </p:nvCxnSpPr>
+        <p:spPr>
+          <a:xfrm flipH="1">
+            <a:off x="4019362" y="6958877"/>
+            <a:ext cx="2202842" cy="697433"/>
+          </a:xfrm>
+          <a:prstGeom prst="line">
+            <a:avLst/>
+          </a:prstGeom>
+          <a:ln/>
+        </p:spPr>
+        <p:style>
+          <a:lnRef idx="2">
+            <a:schemeClr val="dk1"/>
+          </a:lnRef>
+          <a:fillRef idx="1">
+            <a:schemeClr val="lt1"/>
+          </a:fillRef>
+          <a:effectRef idx="0">
+            <a:schemeClr val="dk1"/>
+          </a:effectRef>
+          <a:fontRef idx="minor">
+            <a:schemeClr val="dk1"/>
+          </a:fontRef>
+        </p:style>
+      </p:cxnSp>
+      <p:sp>
+        <p:nvSpPr>
+          <p:cNvPr id="72" name="Rectangle 71"/>
+          <p:cNvSpPr/>
+          <p:nvPr/>
+        </p:nvSpPr>
+        <p:spPr>
+          <a:xfrm>
+            <a:off x="4019362" y="7656310"/>
+            <a:ext cx="391516" cy="396737"/>
+          </a:xfrm>
+          <a:prstGeom prst="rect">
+            <a:avLst/>
+          </a:prstGeom>
+          <a:solidFill>
+            <a:schemeClr val="accent3">
+              <a:lumMod val="40000"/>
+              <a:lumOff val="60000"/>
+            </a:schemeClr>
+          </a:solidFill>
+          <a:ln/>
+        </p:spPr>
+        <p:style>
+          <a:lnRef idx="2">
+            <a:schemeClr val="dk1"/>
+          </a:lnRef>
+          <a:fillRef idx="1">
+            <a:schemeClr val="lt1"/>
+          </a:fillRef>
+          <a:effectRef idx="0">
+            <a:schemeClr val="dk1"/>
+          </a:effectRef>
+          <a:fontRef idx="minor">
+            <a:schemeClr val="dk1"/>
+          </a:fontRef>
+        </p:style>
+        <p:txBody>
+          <a:bodyPr lIns="91429" tIns="45715" rIns="91429" bIns="45715" rtlCol="0" anchor="ctr"/>
+          <a:lstStyle/>
+          <a:p>
+            <a:pPr algn="ctr"/>
+            <a:endParaRPr lang="en-US"/>
+          </a:p>
+        </p:txBody>
+      </p:sp>
+      <p:sp>
+        <p:nvSpPr>
+          <p:cNvPr id="73" name="Rectangle 72"/>
+          <p:cNvSpPr/>
+          <p:nvPr/>
+        </p:nvSpPr>
+        <p:spPr>
+          <a:xfrm>
+            <a:off x="4410878" y="7656310"/>
+            <a:ext cx="391516" cy="396737"/>
+          </a:xfrm>
+          <a:prstGeom prst="rect">
+            <a:avLst/>
+          </a:prstGeom>
+          <a:solidFill>
+            <a:schemeClr val="accent2">
+              <a:lumMod val="40000"/>
+              <a:lumOff val="60000"/>
+            </a:schemeClr>
+          </a:solidFill>
+          <a:ln/>
+        </p:spPr>
+        <p:style>
+          <a:lnRef idx="2">
+            <a:schemeClr val="dk1"/>
+          </a:lnRef>
+          <a:fillRef idx="1">
+            <a:schemeClr val="lt1"/>
+          </a:fillRef>
+          <a:effectRef idx="0">
+            <a:schemeClr val="dk1"/>
+          </a:effectRef>
+          <a:fontRef idx="minor">
+            <a:schemeClr val="dk1"/>
+          </a:fontRef>
+        </p:style>
+        <p:txBody>
+          <a:bodyPr lIns="91429" tIns="45715" rIns="91429" bIns="45715" rtlCol="0" anchor="ctr"/>
+          <a:lstStyle/>
+          <a:p>
+            <a:pPr algn="ctr"/>
+            <a:endParaRPr lang="en-US"/>
+          </a:p>
+        </p:txBody>
+      </p:sp>
+      <p:sp>
+        <p:nvSpPr>
+          <p:cNvPr id="74" name="Rectangle 73"/>
+          <p:cNvSpPr/>
+          <p:nvPr/>
+        </p:nvSpPr>
+        <p:spPr>
+          <a:xfrm>
+            <a:off x="4804872" y="7656310"/>
+            <a:ext cx="391516" cy="396737"/>
+          </a:xfrm>
+          <a:prstGeom prst="rect">
+            <a:avLst/>
+          </a:prstGeom>
+          <a:solidFill>
+            <a:schemeClr val="accent3">
+              <a:lumMod val="40000"/>
+              <a:lumOff val="60000"/>
+            </a:schemeClr>
+          </a:solidFill>
+          <a:ln/>
+        </p:spPr>
+        <p:style>
+          <a:lnRef idx="2">
+            <a:schemeClr val="dk1"/>
+          </a:lnRef>
+          <a:fillRef idx="1">
+            <a:schemeClr val="lt1"/>
+          </a:fillRef>
+          <a:effectRef idx="0">
+            <a:schemeClr val="dk1"/>
+          </a:effectRef>
+          <a:fontRef idx="minor">
+            <a:schemeClr val="dk1"/>
+          </a:fontRef>
+        </p:style>
+        <p:txBody>
+          <a:bodyPr lIns="91429" tIns="45715" rIns="91429" bIns="45715" rtlCol="0" anchor="ctr"/>
+          <a:lstStyle/>
+          <a:p>
+            <a:pPr algn="ctr"/>
+            <a:endParaRPr lang="en-US"/>
+          </a:p>
+        </p:txBody>
+      </p:sp>
+      <p:sp>
+        <p:nvSpPr>
+          <p:cNvPr id="75" name="Rectangle 74"/>
+          <p:cNvSpPr/>
+          <p:nvPr/>
+        </p:nvSpPr>
+        <p:spPr>
+          <a:xfrm>
+            <a:off x="5195283" y="7656310"/>
+            <a:ext cx="391516" cy="396737"/>
+          </a:xfrm>
+          <a:prstGeom prst="rect">
+            <a:avLst/>
+          </a:prstGeom>
+          <a:solidFill>
+            <a:schemeClr val="bg1"/>
+          </a:solidFill>
+          <a:ln/>
+        </p:spPr>
+        <p:style>
+          <a:lnRef idx="2">
+            <a:schemeClr val="dk1"/>
+          </a:lnRef>
+          <a:fillRef idx="1">
+            <a:schemeClr val="lt1"/>
+          </a:fillRef>
+          <a:effectRef idx="0">
+            <a:schemeClr val="dk1"/>
+          </a:effectRef>
+          <a:fontRef idx="minor">
+            <a:schemeClr val="dk1"/>
+          </a:fontRef>
+        </p:style>
+        <p:txBody>
+          <a:bodyPr lIns="91429" tIns="45715" rIns="91429" bIns="45715" rtlCol="0" anchor="ctr"/>
+          <a:lstStyle/>
+          <a:p>
+            <a:pPr algn="ctr"/>
+            <a:endParaRPr lang="en-US"/>
+          </a:p>
+        </p:txBody>
+      </p:sp>
+      <p:sp>
+        <p:nvSpPr>
+          <p:cNvPr id="76" name="Rectangle 75"/>
+          <p:cNvSpPr/>
+          <p:nvPr/>
+        </p:nvSpPr>
+        <p:spPr>
+          <a:xfrm>
+            <a:off x="5586799" y="7656310"/>
+            <a:ext cx="391516" cy="396737"/>
+          </a:xfrm>
+          <a:prstGeom prst="rect">
+            <a:avLst/>
+          </a:prstGeom>
+          <a:solidFill>
+            <a:schemeClr val="accent3">
+              <a:lumMod val="40000"/>
+              <a:lumOff val="60000"/>
+            </a:schemeClr>
+          </a:solidFill>
+          <a:ln/>
+        </p:spPr>
+        <p:style>
+          <a:lnRef idx="2">
+            <a:schemeClr val="dk1"/>
+          </a:lnRef>
+          <a:fillRef idx="1">
+            <a:schemeClr val="lt1"/>
+          </a:fillRef>
+          <a:effectRef idx="0">
+            <a:schemeClr val="dk1"/>
+          </a:effectRef>
+          <a:fontRef idx="minor">
+            <a:schemeClr val="dk1"/>
+          </a:fontRef>
+        </p:style>
+        <p:txBody>
+          <a:bodyPr lIns="91429" tIns="45715" rIns="91429" bIns="45715" rtlCol="0" anchor="ctr"/>
+          <a:lstStyle/>
+          <a:p>
+            <a:pPr algn="ctr"/>
+            <a:endParaRPr lang="en-US"/>
+          </a:p>
+        </p:txBody>
+      </p:sp>
+      <p:sp>
+        <p:nvSpPr>
+          <p:cNvPr id="77" name="Rectangle 76"/>
+          <p:cNvSpPr/>
+          <p:nvPr/>
+        </p:nvSpPr>
+        <p:spPr>
+          <a:xfrm>
+            <a:off x="5978315" y="7656310"/>
+            <a:ext cx="391516" cy="396737"/>
+          </a:xfrm>
+          <a:prstGeom prst="rect">
+            <a:avLst/>
+          </a:prstGeom>
+          <a:solidFill>
+            <a:schemeClr val="accent3">
+              <a:lumMod val="40000"/>
+              <a:lumOff val="60000"/>
+            </a:schemeClr>
+          </a:solidFill>
+          <a:ln/>
+        </p:spPr>
+        <p:style>
+          <a:lnRef idx="2">
+            <a:schemeClr val="dk1"/>
+          </a:lnRef>
+          <a:fillRef idx="1">
+            <a:schemeClr val="lt1"/>
+          </a:fillRef>
+          <a:effectRef idx="0">
+            <a:schemeClr val="dk1"/>
+          </a:effectRef>
+          <a:fontRef idx="minor">
+            <a:schemeClr val="dk1"/>
+          </a:fontRef>
+        </p:style>
+        <p:txBody>
+          <a:bodyPr lIns="91429" tIns="45715" rIns="91429" bIns="45715" rtlCol="0" anchor="ctr"/>
+          <a:lstStyle/>
+          <a:p>
+            <a:pPr algn="ctr"/>
+            <a:endParaRPr lang="en-US"/>
+          </a:p>
+        </p:txBody>
+      </p:sp>
+      <p:sp>
+        <p:nvSpPr>
+          <p:cNvPr id="78" name="Rectangle 77"/>
+          <p:cNvSpPr/>
+          <p:nvPr/>
+        </p:nvSpPr>
+        <p:spPr>
+          <a:xfrm>
+            <a:off x="6360173" y="7656310"/>
+            <a:ext cx="391516" cy="396737"/>
+          </a:xfrm>
+          <a:prstGeom prst="rect">
+            <a:avLst/>
+          </a:prstGeom>
+          <a:solidFill>
+            <a:schemeClr val="accent2">
+              <a:lumMod val="40000"/>
+              <a:lumOff val="60000"/>
+            </a:schemeClr>
+          </a:solidFill>
+          <a:ln/>
+        </p:spPr>
+        <p:style>
+          <a:lnRef idx="2">
+            <a:schemeClr val="dk1"/>
+          </a:lnRef>
+          <a:fillRef idx="1">
+            <a:schemeClr val="lt1"/>
+          </a:fillRef>
+          <a:effectRef idx="0">
+            <a:schemeClr val="dk1"/>
+          </a:effectRef>
+          <a:fontRef idx="minor">
+            <a:schemeClr val="dk1"/>
+          </a:fontRef>
+        </p:style>
+        <p:txBody>
+          <a:bodyPr lIns="91429" tIns="45715" rIns="91429" bIns="45715" rtlCol="0" anchor="ctr"/>
+          <a:lstStyle/>
+          <a:p>
+            <a:pPr algn="ctr"/>
+            <a:endParaRPr lang="en-US"/>
+          </a:p>
+        </p:txBody>
+      </p:sp>
+      <p:sp>
+        <p:nvSpPr>
+          <p:cNvPr id="79" name="Rectangle 78"/>
+          <p:cNvSpPr/>
+          <p:nvPr/>
+        </p:nvSpPr>
+        <p:spPr>
+          <a:xfrm>
+            <a:off x="6759228" y="7656310"/>
+            <a:ext cx="391516" cy="396737"/>
+          </a:xfrm>
+          <a:prstGeom prst="rect">
+            <a:avLst/>
+          </a:prstGeom>
+          <a:solidFill>
+            <a:schemeClr val="accent3">
+              <a:lumMod val="40000"/>
+              <a:lumOff val="60000"/>
+            </a:schemeClr>
+          </a:solidFill>
+          <a:ln/>
+        </p:spPr>
+        <p:style>
+          <a:lnRef idx="2">
+            <a:schemeClr val="dk1"/>
+          </a:lnRef>
+          <a:fillRef idx="1">
+            <a:schemeClr val="lt1"/>
+          </a:fillRef>
+          <a:effectRef idx="0">
+            <a:schemeClr val="dk1"/>
+          </a:effectRef>
+          <a:fontRef idx="minor">
+            <a:schemeClr val="dk1"/>
+          </a:fontRef>
+        </p:style>
+        <p:txBody>
+          <a:bodyPr lIns="91429" tIns="45715" rIns="91429" bIns="45715" rtlCol="0" anchor="ctr"/>
+          <a:lstStyle/>
+          <a:p>
+            <a:pPr algn="ctr"/>
+            <a:endParaRPr lang="en-US"/>
+          </a:p>
+        </p:txBody>
+      </p:sp>
+      <p:sp>
+        <p:nvSpPr>
+          <p:cNvPr id="80" name="Rectangle 79"/>
+          <p:cNvSpPr/>
+          <p:nvPr/>
+        </p:nvSpPr>
+        <p:spPr>
+          <a:xfrm>
+            <a:off x="7150744" y="7656310"/>
+            <a:ext cx="391516" cy="396737"/>
+          </a:xfrm>
+          <a:prstGeom prst="rect">
+            <a:avLst/>
+          </a:prstGeom>
+          <a:solidFill>
+            <a:schemeClr val="bg1"/>
+          </a:solidFill>
+          <a:ln/>
+        </p:spPr>
+        <p:style>
+          <a:lnRef idx="2">
+            <a:schemeClr val="dk1"/>
+          </a:lnRef>
+          <a:fillRef idx="1">
+            <a:schemeClr val="lt1"/>
+          </a:fillRef>
+          <a:effectRef idx="0">
+            <a:schemeClr val="dk1"/>
+          </a:effectRef>
+          <a:fontRef idx="minor">
+            <a:schemeClr val="dk1"/>
+          </a:fontRef>
+        </p:style>
+        <p:txBody>
+          <a:bodyPr lIns="91429" tIns="45715" rIns="91429" bIns="45715" rtlCol="0" anchor="ctr"/>
+          <a:lstStyle/>
+          <a:p>
+            <a:pPr algn="ctr"/>
+            <a:endParaRPr lang="en-US"/>
+          </a:p>
+        </p:txBody>
+      </p:sp>
+      <p:sp>
+        <p:nvSpPr>
+          <p:cNvPr id="81" name="Rectangle 80"/>
+          <p:cNvSpPr/>
+          <p:nvPr/>
+        </p:nvSpPr>
+        <p:spPr>
+          <a:xfrm>
+            <a:off x="7542260" y="7656310"/>
+            <a:ext cx="391516" cy="396737"/>
+          </a:xfrm>
+          <a:prstGeom prst="rect">
+            <a:avLst/>
+          </a:prstGeom>
+          <a:solidFill>
+            <a:srgbClr val="E6B9B8"/>
+          </a:solidFill>
+          <a:ln/>
+        </p:spPr>
+        <p:style>
+          <a:lnRef idx="2">
+            <a:schemeClr val="dk1"/>
+          </a:lnRef>
+          <a:fillRef idx="1">
+            <a:schemeClr val="lt1"/>
+          </a:fillRef>
+          <a:effectRef idx="0">
+            <a:schemeClr val="dk1"/>
+          </a:effectRef>
+          <a:fontRef idx="minor">
+            <a:schemeClr val="dk1"/>
+          </a:fontRef>
+        </p:style>
+        <p:txBody>
+          <a:bodyPr lIns="91429" tIns="45715" rIns="91429" bIns="45715" rtlCol="0" anchor="ctr"/>
+          <a:lstStyle/>
+          <a:p>
+            <a:pPr algn="ctr"/>
+            <a:endParaRPr lang="en-US"/>
+          </a:p>
+        </p:txBody>
+      </p:sp>
+      <p:sp>
+        <p:nvSpPr>
+          <p:cNvPr id="82" name="Rectangle 81"/>
+          <p:cNvSpPr/>
+          <p:nvPr/>
+        </p:nvSpPr>
+        <p:spPr>
+          <a:xfrm>
+            <a:off x="7933776" y="7656310"/>
+            <a:ext cx="391516" cy="396737"/>
+          </a:xfrm>
+          <a:prstGeom prst="rect">
+            <a:avLst/>
+          </a:prstGeom>
+          <a:solidFill>
+            <a:schemeClr val="bg1"/>
+          </a:solidFill>
+          <a:ln/>
+        </p:spPr>
+        <p:style>
+          <a:lnRef idx="2">
+            <a:schemeClr val="dk1"/>
+          </a:lnRef>
+          <a:fillRef idx="1">
+            <a:schemeClr val="lt1"/>
+          </a:fillRef>
+          <a:effectRef idx="0">
+            <a:schemeClr val="dk1"/>
+          </a:effectRef>
+          <a:fontRef idx="minor">
+            <a:schemeClr val="dk1"/>
+          </a:fontRef>
+        </p:style>
+        <p:txBody>
+          <a:bodyPr lIns="91429" tIns="45715" rIns="91429" bIns="45715" rtlCol="0" anchor="ctr"/>
+          <a:lstStyle/>
+          <a:p>
+            <a:pPr algn="ctr"/>
+            <a:endParaRPr lang="en-US"/>
+          </a:p>
+        </p:txBody>
+      </p:sp>
+      <p:sp>
+        <p:nvSpPr>
+          <p:cNvPr id="83" name="Rectangle 82"/>
+          <p:cNvSpPr/>
+          <p:nvPr/>
+        </p:nvSpPr>
+        <p:spPr>
+          <a:xfrm>
+            <a:off x="8331185" y="7656310"/>
+            <a:ext cx="391516" cy="396737"/>
+          </a:xfrm>
+          <a:prstGeom prst="rect">
+            <a:avLst/>
+          </a:prstGeom>
+          <a:solidFill>
+            <a:schemeClr val="bg1"/>
+          </a:solidFill>
+          <a:ln/>
+        </p:spPr>
+        <p:style>
+          <a:lnRef idx="2">
+            <a:schemeClr val="dk1"/>
+          </a:lnRef>
+          <a:fillRef idx="1">
+            <a:schemeClr val="lt1"/>
+          </a:fillRef>
+          <a:effectRef idx="0">
+            <a:schemeClr val="dk1"/>
+          </a:effectRef>
+          <a:fontRef idx="minor">
+            <a:schemeClr val="dk1"/>
+          </a:fontRef>
+        </p:style>
+        <p:txBody>
+          <a:bodyPr lIns="91429" tIns="45715" rIns="91429" bIns="45715" rtlCol="0" anchor="ctr"/>
+          <a:lstStyle/>
+          <a:p>
+            <a:pPr algn="ctr"/>
+            <a:endParaRPr lang="en-US"/>
+          </a:p>
+        </p:txBody>
+      </p:sp>
+      <p:sp>
+        <p:nvSpPr>
+          <p:cNvPr id="84" name="Rectangle 83"/>
+          <p:cNvSpPr/>
+          <p:nvPr/>
+        </p:nvSpPr>
+        <p:spPr>
+          <a:xfrm>
+            <a:off x="8722701" y="7656310"/>
+            <a:ext cx="391516" cy="396737"/>
+          </a:xfrm>
+          <a:prstGeom prst="rect">
+            <a:avLst/>
+          </a:prstGeom>
+          <a:solidFill>
+            <a:schemeClr val="bg1"/>
+          </a:solidFill>
+          <a:ln/>
+        </p:spPr>
+        <p:style>
+          <a:lnRef idx="2">
+            <a:schemeClr val="dk1"/>
+          </a:lnRef>
+          <a:fillRef idx="1">
+            <a:schemeClr val="lt1"/>
+          </a:fillRef>
+          <a:effectRef idx="0">
+            <a:schemeClr val="dk1"/>
+          </a:effectRef>
+          <a:fontRef idx="minor">
+            <a:schemeClr val="dk1"/>
+          </a:fontRef>
+        </p:style>
+        <p:txBody>
+          <a:bodyPr lIns="91429" tIns="45715" rIns="91429" bIns="45715" rtlCol="0" anchor="ctr"/>
+          <a:lstStyle/>
+          <a:p>
+            <a:pPr algn="ctr"/>
+            <a:endParaRPr lang="en-US"/>
+          </a:p>
+        </p:txBody>
+      </p:sp>
+      <p:sp>
+        <p:nvSpPr>
+          <p:cNvPr id="85" name="Rectangle 84"/>
+          <p:cNvSpPr/>
+          <p:nvPr/>
+        </p:nvSpPr>
+        <p:spPr>
+          <a:xfrm>
+            <a:off x="9114217" y="7656310"/>
+            <a:ext cx="391516" cy="396737"/>
+          </a:xfrm>
+          <a:prstGeom prst="rect">
+            <a:avLst/>
+          </a:prstGeom>
+          <a:solidFill>
+            <a:schemeClr val="bg1"/>
+          </a:solidFill>
+          <a:ln/>
+        </p:spPr>
+        <p:style>
+          <a:lnRef idx="2">
+            <a:schemeClr val="dk1"/>
+          </a:lnRef>
+          <a:fillRef idx="1">
+            <a:schemeClr val="lt1"/>
+          </a:fillRef>
+          <a:effectRef idx="0">
+            <a:schemeClr val="dk1"/>
+          </a:effectRef>
+          <a:fontRef idx="minor">
+            <a:schemeClr val="dk1"/>
+          </a:fontRef>
+        </p:style>
+        <p:txBody>
+          <a:bodyPr lIns="91429" tIns="45715" rIns="91429" bIns="45715" rtlCol="0" anchor="ctr"/>
+          <a:lstStyle/>
+          <a:p>
+            <a:pPr algn="ctr"/>
+            <a:endParaRPr lang="en-US"/>
+          </a:p>
+        </p:txBody>
+      </p:sp>
+      <p:sp>
+        <p:nvSpPr>
+          <p:cNvPr id="87" name="Rectangle 86"/>
+          <p:cNvSpPr/>
+          <p:nvPr/>
+        </p:nvSpPr>
+        <p:spPr>
+          <a:xfrm>
+            <a:off x="9893342" y="6884802"/>
+            <a:ext cx="391516" cy="396737"/>
+          </a:xfrm>
+          <a:prstGeom prst="rect">
+            <a:avLst/>
+          </a:prstGeom>
+          <a:solidFill>
+            <a:schemeClr val="bg1"/>
+          </a:solidFill>
+          <a:ln/>
+        </p:spPr>
+        <p:style>
+          <a:lnRef idx="2">
+            <a:schemeClr val="dk1"/>
+          </a:lnRef>
+          <a:fillRef idx="1">
+            <a:schemeClr val="lt1"/>
+          </a:fillRef>
+          <a:effectRef idx="0">
+            <a:schemeClr val="dk1"/>
+          </a:effectRef>
+          <a:fontRef idx="minor">
+            <a:schemeClr val="dk1"/>
+          </a:fontRef>
+        </p:style>
+        <p:txBody>
+          <a:bodyPr lIns="91429" tIns="45715" rIns="91429" bIns="45715" rtlCol="0" anchor="ctr"/>
+          <a:lstStyle/>
+          <a:p>
+            <a:pPr algn="ctr"/>
+            <a:endParaRPr lang="en-US"/>
+          </a:p>
+        </p:txBody>
+      </p:sp>
+      <p:sp>
+        <p:nvSpPr>
+          <p:cNvPr id="34" name="TextBox 33"/>
+          <p:cNvSpPr txBox="1"/>
+          <p:nvPr/>
+        </p:nvSpPr>
+        <p:spPr>
+          <a:xfrm>
+            <a:off x="10380898" y="6884802"/>
+            <a:ext cx="1933267" cy="369332"/>
+          </a:xfrm>
+          <a:prstGeom prst="rect">
+            <a:avLst/>
+          </a:prstGeom>
+          <a:noFill/>
+        </p:spPr>
+        <p:txBody>
+          <a:bodyPr wrap="none" rtlCol="0">
+            <a:spAutoFit/>
+          </a:bodyPr>
+          <a:lstStyle/>
+          <a:p>
+            <a:r>
+              <a:rPr lang="en-US" dirty="0" smtClean="0"/>
+              <a:t>queued or running</a:t>
+            </a:r>
+            <a:endParaRPr lang="en-US" dirty="0"/>
+          </a:p>
+        </p:txBody>
+      </p:sp>
+      <p:sp>
+        <p:nvSpPr>
+          <p:cNvPr id="89" name="Rectangle 88"/>
+          <p:cNvSpPr/>
+          <p:nvPr/>
+        </p:nvSpPr>
+        <p:spPr>
+          <a:xfrm>
+            <a:off x="9893342" y="7281539"/>
+            <a:ext cx="391516" cy="396737"/>
+          </a:xfrm>
+          <a:prstGeom prst="rect">
+            <a:avLst/>
+          </a:prstGeom>
+          <a:solidFill>
+            <a:schemeClr val="accent3">
+              <a:lumMod val="40000"/>
+              <a:lumOff val="60000"/>
+            </a:schemeClr>
+          </a:solidFill>
+          <a:ln/>
+        </p:spPr>
+        <p:style>
+          <a:lnRef idx="2">
+            <a:schemeClr val="dk1"/>
+          </a:lnRef>
+          <a:fillRef idx="1">
+            <a:schemeClr val="lt1"/>
+          </a:fillRef>
+          <a:effectRef idx="0">
+            <a:schemeClr val="dk1"/>
+          </a:effectRef>
+          <a:fontRef idx="minor">
+            <a:schemeClr val="dk1"/>
+          </a:fontRef>
+        </p:style>
+        <p:txBody>
+          <a:bodyPr lIns="91429" tIns="45715" rIns="91429" bIns="45715" rtlCol="0" anchor="ctr"/>
+          <a:lstStyle/>
+          <a:p>
+            <a:pPr algn="ctr"/>
+            <a:endParaRPr lang="en-US"/>
+          </a:p>
+        </p:txBody>
+      </p:sp>
+      <p:sp>
+        <p:nvSpPr>
+          <p:cNvPr id="90" name="TextBox 89"/>
+          <p:cNvSpPr txBox="1"/>
+          <p:nvPr/>
+        </p:nvSpPr>
+        <p:spPr>
+          <a:xfrm>
+            <a:off x="10380898" y="7281539"/>
+            <a:ext cx="2241644" cy="369332"/>
+          </a:xfrm>
+          <a:prstGeom prst="rect">
+            <a:avLst/>
+          </a:prstGeom>
+          <a:noFill/>
+        </p:spPr>
+        <p:txBody>
+          <a:bodyPr wrap="none" rtlCol="0">
+            <a:spAutoFit/>
+          </a:bodyPr>
+          <a:lstStyle/>
+          <a:p>
+            <a:r>
+              <a:rPr lang="en-US" dirty="0" smtClean="0"/>
+              <a:t>finished and accepted</a:t>
+            </a:r>
+            <a:endParaRPr lang="en-US" dirty="0"/>
+          </a:p>
+        </p:txBody>
+      </p:sp>
+      <p:sp>
+        <p:nvSpPr>
+          <p:cNvPr id="98" name="Rectangle 97"/>
+          <p:cNvSpPr/>
+          <p:nvPr/>
+        </p:nvSpPr>
+        <p:spPr>
+          <a:xfrm>
+            <a:off x="9893342" y="7678276"/>
+            <a:ext cx="391516" cy="396737"/>
+          </a:xfrm>
+          <a:prstGeom prst="rect">
+            <a:avLst/>
+          </a:prstGeom>
+          <a:solidFill>
+            <a:srgbClr val="E6B9B8"/>
+          </a:solidFill>
+          <a:ln/>
+        </p:spPr>
+        <p:style>
+          <a:lnRef idx="2">
+            <a:schemeClr val="dk1"/>
+          </a:lnRef>
+          <a:fillRef idx="1">
+            <a:schemeClr val="lt1"/>
+          </a:fillRef>
+          <a:effectRef idx="0">
+            <a:schemeClr val="dk1"/>
+          </a:effectRef>
+          <a:fontRef idx="minor">
+            <a:schemeClr val="dk1"/>
+          </a:fontRef>
+        </p:style>
+        <p:txBody>
+          <a:bodyPr lIns="91429" tIns="45715" rIns="91429" bIns="45715" rtlCol="0" anchor="ctr"/>
+          <a:lstStyle/>
+          <a:p>
+            <a:pPr algn="ctr"/>
+            <a:endParaRPr lang="en-US"/>
+          </a:p>
+        </p:txBody>
+      </p:sp>
+      <p:sp>
+        <p:nvSpPr>
+          <p:cNvPr id="99" name="TextBox 98"/>
+          <p:cNvSpPr txBox="1"/>
+          <p:nvPr/>
+        </p:nvSpPr>
+        <p:spPr>
+          <a:xfrm>
+            <a:off x="10380898" y="7678276"/>
+            <a:ext cx="2099741" cy="369332"/>
+          </a:xfrm>
+          <a:prstGeom prst="rect">
+            <a:avLst/>
+          </a:prstGeom>
+          <a:noFill/>
+        </p:spPr>
+        <p:txBody>
+          <a:bodyPr wrap="none" rtlCol="0">
+            <a:spAutoFit/>
+          </a:bodyPr>
+          <a:lstStyle/>
+          <a:p>
+            <a:r>
+              <a:rPr lang="en-US" dirty="0" smtClean="0"/>
+              <a:t>finished and refused</a:t>
+            </a:r>
+            <a:endParaRPr lang="en-US" dirty="0"/>
+          </a:p>
+        </p:txBody>
+      </p:sp>
+      <p:grpSp>
+        <p:nvGrpSpPr>
+          <p:cNvPr id="102" name="Group 101"/>
+          <p:cNvGrpSpPr/>
+          <p:nvPr/>
+        </p:nvGrpSpPr>
+        <p:grpSpPr>
+          <a:xfrm>
+            <a:off x="10204021" y="1242374"/>
+            <a:ext cx="3392440" cy="5114999"/>
+            <a:chOff x="694792" y="959012"/>
+            <a:chExt cx="3392440" cy="5114999"/>
+          </a:xfrm>
+        </p:grpSpPr>
+        <p:sp>
+          <p:nvSpPr>
+            <p:cNvPr id="103" name="Rectangle 102"/>
+            <p:cNvSpPr/>
+            <p:nvPr/>
+          </p:nvSpPr>
+          <p:spPr>
+            <a:xfrm>
+              <a:off x="694792" y="959012"/>
+              <a:ext cx="3392440" cy="5114999"/>
+            </a:xfrm>
+            <a:prstGeom prst="rect">
+              <a:avLst/>
+            </a:prstGeom>
+            <a:solidFill>
+              <a:schemeClr val="accent6">
+                <a:lumMod val="20000"/>
+                <a:lumOff val="80000"/>
+              </a:schemeClr>
+            </a:solidFill>
+            <a:ln w="57150" cmpd="sng"/>
+          </p:spPr>
+          <p:style>
+            <a:lnRef idx="2">
+              <a:schemeClr val="accent6"/>
+            </a:lnRef>
+            <a:fillRef idx="1">
+              <a:schemeClr val="lt1"/>
+            </a:fillRef>
+            <a:effectRef idx="0">
+              <a:schemeClr val="accent6"/>
+            </a:effectRef>
+            <a:fontRef idx="minor">
+              <a:schemeClr val="dk1"/>
+            </a:fontRef>
+          </p:style>
+          <p:txBody>
+            <a:bodyPr lIns="91429" tIns="45715" rIns="91429" bIns="45715" rtlCol="0" anchor="ctr"/>
+            <a:lstStyle/>
+            <a:p>
+              <a:pPr algn="ctr"/>
+              <a:endParaRPr lang="en-US"/>
+            </a:p>
+          </p:txBody>
+        </p:sp>
+        <p:sp>
+          <p:nvSpPr>
+            <p:cNvPr id="104" name="Process 103"/>
+            <p:cNvSpPr/>
+            <p:nvPr/>
+          </p:nvSpPr>
+          <p:spPr>
+            <a:xfrm>
+              <a:off x="1028040" y="2556224"/>
+              <a:ext cx="2735351" cy="630262"/>
+            </a:xfrm>
+            <a:prstGeom prst="flowChartProcess">
+              <a:avLst/>
+            </a:prstGeom>
+          </p:spPr>
+          <p:style>
+            <a:lnRef idx="2">
+              <a:schemeClr val="dk1"/>
+            </a:lnRef>
+            <a:fillRef idx="1">
+              <a:schemeClr val="lt1"/>
+            </a:fillRef>
+            <a:effectRef idx="0">
+              <a:schemeClr val="dk1"/>
+            </a:effectRef>
+            <a:fontRef idx="minor">
+              <a:schemeClr val="dk1"/>
+            </a:fontRef>
+          </p:style>
+          <p:txBody>
+            <a:bodyPr rtlCol="0" anchor="ctr"/>
+            <a:lstStyle/>
+            <a:p>
+              <a:pPr algn="ctr"/>
+              <a:endParaRPr lang="en-US" b="1" dirty="0"/>
+            </a:p>
+          </p:txBody>
+        </p:sp>
+        <p:cxnSp>
+          <p:nvCxnSpPr>
+            <p:cNvPr id="105" name="Straight Arrow Connector 104"/>
+            <p:cNvCxnSpPr>
+              <a:stCxn id="103" idx="0"/>
+              <a:endCxn id="104" idx="0"/>
+            </p:cNvCxnSpPr>
+            <p:nvPr/>
+          </p:nvCxnSpPr>
+          <p:spPr>
+            <a:xfrm>
+              <a:off x="2391012" y="959012"/>
+              <a:ext cx="4704" cy="1597212"/>
+            </a:xfrm>
+            <a:prstGeom prst="straightConnector1">
+              <a:avLst/>
+            </a:prstGeom>
+            <a:ln>
+              <a:tailEnd type="arrow"/>
+            </a:ln>
+          </p:spPr>
+          <p:style>
+            <a:lnRef idx="3">
+              <a:schemeClr val="dk1"/>
+            </a:lnRef>
+            <a:fillRef idx="0">
+              <a:schemeClr val="dk1"/>
+            </a:fillRef>
+            <a:effectRef idx="2">
+              <a:schemeClr val="dk1"/>
+            </a:effectRef>
+            <a:fontRef idx="minor">
+              <a:schemeClr val="tx1"/>
+            </a:fontRef>
+          </p:style>
+        </p:cxnSp>
+        <p:cxnSp>
+          <p:nvCxnSpPr>
+            <p:cNvPr id="108" name="Straight Arrow Connector 107"/>
+            <p:cNvCxnSpPr>
+              <a:stCxn id="115" idx="2"/>
+              <a:endCxn id="103" idx="2"/>
+            </p:cNvCxnSpPr>
+            <p:nvPr/>
+          </p:nvCxnSpPr>
+          <p:spPr>
+            <a:xfrm flipH="1">
+              <a:off x="2391012" y="4515156"/>
+              <a:ext cx="4705" cy="1558855"/>
+            </a:xfrm>
+            <a:prstGeom prst="straightConnector1">
+              <a:avLst/>
+            </a:prstGeom>
+            <a:ln>
+              <a:tailEnd type="arrow"/>
+            </a:ln>
+          </p:spPr>
+          <p:style>
+            <a:lnRef idx="3">
+              <a:schemeClr val="dk1"/>
+            </a:lnRef>
+            <a:fillRef idx="0">
+              <a:schemeClr val="dk1"/>
+            </a:fillRef>
+            <a:effectRef idx="2">
+              <a:schemeClr val="dk1"/>
+            </a:effectRef>
+            <a:fontRef idx="minor">
+              <a:schemeClr val="tx1"/>
+            </a:fontRef>
+          </p:style>
+        </p:cxnSp>
+        <p:sp>
+          <p:nvSpPr>
+            <p:cNvPr id="109" name="TextBox 108"/>
+            <p:cNvSpPr txBox="1"/>
+            <p:nvPr/>
+          </p:nvSpPr>
+          <p:spPr>
+            <a:xfrm>
+              <a:off x="822178" y="1077822"/>
+              <a:ext cx="1310650" cy="400110"/>
+            </a:xfrm>
+            <a:prstGeom prst="rect">
+              <a:avLst/>
+            </a:prstGeom>
+            <a:noFill/>
+          </p:spPr>
+          <p:txBody>
+            <a:bodyPr wrap="none" rtlCol="0">
+              <a:spAutoFit/>
+            </a:bodyPr>
+            <a:lstStyle/>
+            <a:p>
+              <a:r>
+                <a:rPr lang="en-US" sz="2000" b="1" dirty="0" smtClean="0"/>
+                <a:t>Evaluation</a:t>
+              </a:r>
+              <a:endParaRPr lang="en-US" sz="1200" b="1" dirty="0"/>
+            </a:p>
+          </p:txBody>
+        </p:sp>
+        <p:cxnSp>
+          <p:nvCxnSpPr>
+            <p:cNvPr id="110" name="Curved Connector 109"/>
+            <p:cNvCxnSpPr>
+              <a:stCxn id="118" idx="2"/>
+              <a:endCxn id="104" idx="0"/>
+            </p:cNvCxnSpPr>
+            <p:nvPr/>
+          </p:nvCxnSpPr>
+          <p:spPr>
+            <a:xfrm rot="5400000" flipH="1">
+              <a:off x="1420841" y="3531099"/>
+              <a:ext cx="1958571" cy="8822"/>
+            </a:xfrm>
+            <a:prstGeom prst="curvedConnector5">
+              <a:avLst>
+                <a:gd name="adj1" fmla="val -20078"/>
+                <a:gd name="adj2" fmla="val 18194264"/>
+                <a:gd name="adj3" fmla="val 129682"/>
+              </a:avLst>
+            </a:prstGeom>
+            <a:ln w="38100" cmpd="sng">
+              <a:headEnd type="none"/>
+              <a:tailEnd type="arrow"/>
+            </a:ln>
+          </p:spPr>
+          <p:style>
+            <a:lnRef idx="2">
+              <a:schemeClr val="dk1"/>
+            </a:lnRef>
+            <a:fillRef idx="0">
+              <a:schemeClr val="dk1"/>
+            </a:fillRef>
+            <a:effectRef idx="1">
+              <a:schemeClr val="dk1"/>
+            </a:effectRef>
+            <a:fontRef idx="minor">
+              <a:schemeClr val="tx1"/>
+            </a:fontRef>
+          </p:style>
+        </p:cxnSp>
+        <p:sp>
+          <p:nvSpPr>
+            <p:cNvPr id="111" name="TextBox 110"/>
+            <p:cNvSpPr txBox="1"/>
+            <p:nvPr/>
+          </p:nvSpPr>
+          <p:spPr>
+            <a:xfrm>
+              <a:off x="1023322" y="2543425"/>
+              <a:ext cx="1890662" cy="369332"/>
+            </a:xfrm>
+            <a:prstGeom prst="rect">
+              <a:avLst/>
+            </a:prstGeom>
+            <a:noFill/>
+          </p:spPr>
+          <p:txBody>
+            <a:bodyPr wrap="none" rtlCol="0">
+              <a:spAutoFit/>
+            </a:bodyPr>
+            <a:lstStyle/>
+            <a:p>
+              <a:r>
+                <a:rPr lang="en-US" b="1" dirty="0" smtClean="0"/>
+                <a:t>Model Simulation</a:t>
+              </a:r>
+              <a:endParaRPr lang="en-US" b="1" dirty="0"/>
+            </a:p>
+          </p:txBody>
+        </p:sp>
+        <p:sp>
+          <p:nvSpPr>
+            <p:cNvPr id="112" name="Rectangle 111"/>
+            <p:cNvSpPr/>
+            <p:nvPr/>
+          </p:nvSpPr>
+          <p:spPr>
+            <a:xfrm>
+              <a:off x="2023201" y="2813865"/>
+              <a:ext cx="711365" cy="369332"/>
+            </a:xfrm>
+            <a:prstGeom prst="rect">
+              <a:avLst/>
+            </a:prstGeom>
+          </p:spPr>
+          <p:txBody>
+            <a:bodyPr wrap="none">
+              <a:spAutoFit/>
+            </a:bodyPr>
+            <a:lstStyle/>
+            <a:p>
+              <a:r>
+                <a:rPr lang="en-US" i="1" dirty="0" smtClean="0">
+                  <a:latin typeface="Times"/>
+                  <a:cs typeface="Times"/>
+                </a:rPr>
+                <a:t>D</a:t>
+              </a:r>
+              <a:r>
+                <a:rPr lang="en-US" i="1" baseline="-25000" dirty="0" smtClean="0">
+                  <a:latin typeface="Times"/>
+                  <a:cs typeface="Times"/>
+                </a:rPr>
+                <a:t>i</a:t>
+              </a:r>
+              <a:r>
+                <a:rPr lang="en-US" dirty="0" smtClean="0">
+                  <a:latin typeface="Times"/>
+                  <a:cs typeface="Times"/>
+                </a:rPr>
+                <a:t>(</a:t>
+              </a:r>
+              <a:r>
+                <a:rPr lang="en-US" i="1" dirty="0" err="1" smtClean="0">
+                  <a:latin typeface="Times"/>
+                  <a:cs typeface="Times"/>
+                </a:rPr>
+                <a:t>θ</a:t>
+              </a:r>
+              <a:r>
+                <a:rPr lang="en-US" dirty="0" smtClean="0">
+                  <a:latin typeface="Times"/>
+                  <a:cs typeface="Times"/>
+                </a:rPr>
+                <a:t>)</a:t>
+              </a:r>
+              <a:endParaRPr lang="en-US" dirty="0">
+                <a:latin typeface="Times"/>
+                <a:cs typeface="Times"/>
+              </a:endParaRPr>
+            </a:p>
+          </p:txBody>
+        </p:sp>
+        <p:sp>
+          <p:nvSpPr>
+            <p:cNvPr id="113" name="Rectangle 112"/>
+            <p:cNvSpPr/>
+            <p:nvPr/>
+          </p:nvSpPr>
+          <p:spPr>
+            <a:xfrm>
+              <a:off x="1043850" y="4831591"/>
+              <a:ext cx="1144627" cy="369332"/>
+            </a:xfrm>
+            <a:prstGeom prst="rect">
+              <a:avLst/>
+            </a:prstGeom>
+          </p:spPr>
+          <p:txBody>
+            <a:bodyPr wrap="none">
+              <a:spAutoFit/>
+            </a:bodyPr>
+            <a:lstStyle/>
+            <a:p>
+              <a:r>
+                <a:rPr lang="en-US" dirty="0" smtClean="0">
+                  <a:latin typeface="Times"/>
+                  <a:cs typeface="Times"/>
+                </a:rPr>
+                <a:t>else </a:t>
+              </a:r>
+              <a:r>
+                <a:rPr lang="en-US" i="1" dirty="0" err="1" smtClean="0">
+                  <a:latin typeface="Times"/>
+                  <a:cs typeface="Times"/>
+                </a:rPr>
+                <a:t>i</a:t>
+              </a:r>
+              <a:r>
+                <a:rPr lang="en-US" dirty="0" smtClean="0">
+                  <a:latin typeface="Times"/>
+                  <a:cs typeface="Times"/>
+                </a:rPr>
+                <a:t>=</a:t>
+              </a:r>
+              <a:r>
+                <a:rPr lang="en-US" i="1" dirty="0" smtClean="0">
+                  <a:latin typeface="Times"/>
+                  <a:cs typeface="Times"/>
+                </a:rPr>
+                <a:t>i+</a:t>
+              </a:r>
+              <a:r>
+                <a:rPr lang="en-US" dirty="0" smtClean="0">
+                  <a:latin typeface="Times"/>
+                  <a:cs typeface="Times"/>
+                </a:rPr>
+                <a:t>1</a:t>
+              </a:r>
+              <a:endParaRPr lang="en-US" dirty="0">
+                <a:latin typeface="Times"/>
+                <a:cs typeface="Times"/>
+              </a:endParaRPr>
+            </a:p>
+          </p:txBody>
+        </p:sp>
+        <p:sp>
+          <p:nvSpPr>
+            <p:cNvPr id="114" name="TextBox 113"/>
+            <p:cNvSpPr txBox="1"/>
+            <p:nvPr/>
+          </p:nvSpPr>
+          <p:spPr>
+            <a:xfrm>
+              <a:off x="2400501" y="4840785"/>
+              <a:ext cx="1562792" cy="646331"/>
+            </a:xfrm>
+            <a:prstGeom prst="rect">
+              <a:avLst/>
+            </a:prstGeom>
+            <a:noFill/>
+          </p:spPr>
+          <p:txBody>
+            <a:bodyPr wrap="square" rtlCol="0">
+              <a:spAutoFit/>
+            </a:bodyPr>
+            <a:lstStyle/>
+            <a:p>
+              <a:r>
+                <a:rPr lang="en-US" dirty="0" smtClean="0"/>
+                <a:t>if </a:t>
+              </a:r>
+              <a:r>
+                <a:rPr lang="en-US" i="1" dirty="0" err="1" smtClean="0">
+                  <a:latin typeface="Times"/>
+                  <a:cs typeface="Times"/>
+                </a:rPr>
+                <a:t>i</a:t>
+              </a:r>
+              <a:r>
+                <a:rPr lang="en-US" dirty="0" smtClean="0">
+                  <a:latin typeface="Times"/>
+                  <a:cs typeface="Times"/>
+                </a:rPr>
+                <a:t>=</a:t>
+              </a:r>
+              <a:r>
+                <a:rPr lang="en-US" i="1" dirty="0" smtClean="0">
+                  <a:latin typeface="Times"/>
+                  <a:cs typeface="Times"/>
+                </a:rPr>
+                <a:t>n</a:t>
+              </a:r>
+              <a:r>
+                <a:rPr lang="en-US" dirty="0" smtClean="0"/>
+                <a:t> </a:t>
+              </a:r>
+            </a:p>
+            <a:p>
+              <a:r>
+                <a:rPr lang="en-US" dirty="0" smtClean="0"/>
+                <a:t>or </a:t>
+              </a:r>
+              <a:r>
+                <a:rPr lang="en-US" i="1" dirty="0" smtClean="0">
+                  <a:latin typeface="Times"/>
+                  <a:cs typeface="Times"/>
+                </a:rPr>
+                <a:t>d</a:t>
+              </a:r>
+              <a:r>
+                <a:rPr lang="en-US" dirty="0" smtClean="0">
+                  <a:latin typeface="Times"/>
+                  <a:cs typeface="Times"/>
+                </a:rPr>
+                <a:t>(</a:t>
+              </a:r>
+              <a:r>
+                <a:rPr lang="en-US" i="1" dirty="0" smtClean="0">
+                  <a:latin typeface="Times"/>
+                  <a:cs typeface="Times"/>
+                </a:rPr>
+                <a:t>D</a:t>
+              </a:r>
+              <a:r>
+                <a:rPr lang="en-US" dirty="0" smtClean="0">
+                  <a:latin typeface="Times"/>
+                  <a:cs typeface="Times"/>
+                </a:rPr>
+                <a:t>*,</a:t>
+              </a:r>
+              <a:r>
+                <a:rPr lang="en-US" i="1" dirty="0" smtClean="0">
+                  <a:latin typeface="Times"/>
+                  <a:cs typeface="Times"/>
+                </a:rPr>
+                <a:t>D</a:t>
+              </a:r>
+              <a:r>
+                <a:rPr lang="en-US" dirty="0" smtClean="0">
+                  <a:latin typeface="Times"/>
+                  <a:cs typeface="Times"/>
+                </a:rPr>
+                <a:t>)&gt;</a:t>
+              </a:r>
+              <a:r>
+                <a:rPr lang="en-US" i="1" dirty="0" err="1" smtClean="0">
+                  <a:latin typeface="Times"/>
+                  <a:ea typeface="Lucida Grande"/>
+                  <a:cs typeface="Times"/>
+                </a:rPr>
+                <a:t>ε</a:t>
+              </a:r>
+              <a:r>
+                <a:rPr lang="en-US" i="1" baseline="-25000" dirty="0" err="1" smtClean="0">
+                  <a:latin typeface="Times"/>
+                  <a:ea typeface="Lucida Grande"/>
+                  <a:cs typeface="Times"/>
+                </a:rPr>
+                <a:t>t</a:t>
+              </a:r>
+              <a:endParaRPr lang="en-US" i="1" baseline="-25000" dirty="0">
+                <a:latin typeface="Times"/>
+                <a:cs typeface="Times"/>
+              </a:endParaRPr>
+            </a:p>
+          </p:txBody>
+        </p:sp>
+        <p:sp>
+          <p:nvSpPr>
+            <p:cNvPr id="115" name="Process 114"/>
+            <p:cNvSpPr/>
+            <p:nvPr/>
+          </p:nvSpPr>
+          <p:spPr>
+            <a:xfrm>
+              <a:off x="1028041" y="3580811"/>
+              <a:ext cx="2735351" cy="934345"/>
+            </a:xfrm>
+            <a:prstGeom prst="flowChartProcess">
+              <a:avLst/>
+            </a:prstGeom>
+          </p:spPr>
+          <p:style>
+            <a:lnRef idx="2">
+              <a:schemeClr val="dk1"/>
+            </a:lnRef>
+            <a:fillRef idx="1">
+              <a:schemeClr val="lt1"/>
+            </a:fillRef>
+            <a:effectRef idx="0">
+              <a:schemeClr val="dk1"/>
+            </a:effectRef>
+            <a:fontRef idx="minor">
+              <a:schemeClr val="dk1"/>
+            </a:fontRef>
+          </p:style>
+          <p:txBody>
+            <a:bodyPr rtlCol="0" anchor="ctr"/>
+            <a:lstStyle/>
+            <a:p>
+              <a:pPr algn="ctr"/>
+              <a:endParaRPr lang="en-US" b="1" dirty="0"/>
+            </a:p>
+          </p:txBody>
+        </p:sp>
+        <p:cxnSp>
+          <p:nvCxnSpPr>
+            <p:cNvPr id="117" name="Straight Arrow Connector 116"/>
+            <p:cNvCxnSpPr>
+              <a:stCxn id="104" idx="2"/>
+              <a:endCxn id="115" idx="0"/>
+            </p:cNvCxnSpPr>
+            <p:nvPr/>
+          </p:nvCxnSpPr>
+          <p:spPr>
+            <a:xfrm>
+              <a:off x="2395716" y="3186486"/>
+              <a:ext cx="1" cy="394325"/>
+            </a:xfrm>
+            <a:prstGeom prst="straightConnector1">
+              <a:avLst/>
+            </a:prstGeom>
+            <a:ln>
+              <a:tailEnd type="arrow"/>
+            </a:ln>
+          </p:spPr>
+          <p:style>
+            <a:lnRef idx="3">
+              <a:schemeClr val="dk1"/>
+            </a:lnRef>
+            <a:fillRef idx="0">
+              <a:schemeClr val="dk1"/>
+            </a:fillRef>
+            <a:effectRef idx="2">
+              <a:schemeClr val="dk1"/>
+            </a:effectRef>
+            <a:fontRef idx="minor">
+              <a:schemeClr val="tx1"/>
+            </a:fontRef>
+          </p:style>
+        </p:cxnSp>
+        <p:graphicFrame>
+          <p:nvGraphicFramePr>
+            <p:cNvPr id="118" name="Object 117"/>
+            <p:cNvGraphicFramePr>
+              <a:graphicFrameLocks noChangeAspect="1"/>
+            </p:cNvGraphicFramePr>
+            <p:nvPr>
+              <p:extLst>
+                <p:ext uri="{D42A27DB-BD31-4B8C-83A1-F6EECF244321}">
+                  <p14:modId xmlns:p14="http://schemas.microsoft.com/office/powerpoint/2010/main" val="2381201636"/>
+                </p:ext>
+              </p:extLst>
+            </p:nvPr>
+          </p:nvGraphicFramePr>
+          <p:xfrm>
+            <a:off x="1527803" y="3880206"/>
+            <a:ext cx="1753470" cy="634589"/>
+          </p:xfrm>
+          <a:graphic>
+            <a:graphicData uri="http://schemas.openxmlformats.org/presentationml/2006/ole">
+              <mc:AlternateContent xmlns:mc="http://schemas.openxmlformats.org/markup-compatibility/2006">
+                <mc:Choice xmlns:v="urn:schemas-microsoft-com:vml" Requires="v">
+                  <p:oleObj spid="_x0000_s1025" name="Equation" r:id="rId8" imgW="1333500" imgH="482600" progId="Equation.DSMT4">
+                    <p:embed/>
+                  </p:oleObj>
+                </mc:Choice>
+                <mc:Fallback>
+                  <p:oleObj name="Equation" r:id="rId8" imgW="1333500" imgH="482600" progId="Equation.DSMT4">
+                    <p:embed/>
+                    <p:pic>
+                      <p:nvPicPr>
+                        <p:cNvPr id="0" name=""/>
+                        <p:cNvPicPr/>
+                        <p:nvPr/>
+                      </p:nvPicPr>
+                      <p:blipFill>
+                        <a:blip r:embed="rId9"/>
+                        <a:stretch>
+                          <a:fillRect/>
+                        </a:stretch>
+                      </p:blipFill>
+                      <p:spPr>
+                        <a:xfrm>
+                          <a:off x="1527803" y="3880206"/>
+                          <a:ext cx="1753470" cy="634589"/>
+                        </a:xfrm>
+                        <a:prstGeom prst="rect">
+                          <a:avLst/>
+                        </a:prstGeom>
+                      </p:spPr>
+                    </p:pic>
+                  </p:oleObj>
+                </mc:Fallback>
+              </mc:AlternateContent>
+            </a:graphicData>
+          </a:graphic>
+        </p:graphicFrame>
+        <p:sp>
+          <p:nvSpPr>
+            <p:cNvPr id="119" name="TextBox 118"/>
+            <p:cNvSpPr txBox="1"/>
+            <p:nvPr/>
+          </p:nvSpPr>
+          <p:spPr>
+            <a:xfrm>
+              <a:off x="1023322" y="3583996"/>
+              <a:ext cx="1982521" cy="369332"/>
+            </a:xfrm>
+            <a:prstGeom prst="rect">
+              <a:avLst/>
+            </a:prstGeom>
+            <a:noFill/>
+          </p:spPr>
+          <p:txBody>
+            <a:bodyPr wrap="none" rtlCol="0">
+              <a:spAutoFit/>
+            </a:bodyPr>
+            <a:lstStyle/>
+            <a:p>
+              <a:r>
+                <a:rPr lang="en-US" b="1" dirty="0" smtClean="0"/>
+                <a:t>Objective Function</a:t>
+              </a:r>
+              <a:endParaRPr lang="en-US" b="1" dirty="0"/>
+            </a:p>
+          </p:txBody>
+        </p:sp>
+        <p:sp>
+          <p:nvSpPr>
+            <p:cNvPr id="120" name="Rectangle 119"/>
+            <p:cNvSpPr/>
+            <p:nvPr/>
+          </p:nvSpPr>
+          <p:spPr>
+            <a:xfrm>
+              <a:off x="2519359" y="1735872"/>
+              <a:ext cx="761914" cy="369332"/>
+            </a:xfrm>
+            <a:prstGeom prst="rect">
+              <a:avLst/>
+            </a:prstGeom>
+          </p:spPr>
+          <p:txBody>
+            <a:bodyPr wrap="square">
+              <a:spAutoFit/>
+            </a:bodyPr>
+            <a:lstStyle/>
+            <a:p>
+              <a:r>
+                <a:rPr lang="en-US" i="1" dirty="0" err="1" smtClean="0">
+                  <a:latin typeface="Times"/>
+                  <a:cs typeface="Times"/>
+                </a:rPr>
+                <a:t>i</a:t>
+              </a:r>
+              <a:r>
+                <a:rPr lang="en-US" dirty="0" smtClean="0">
+                  <a:latin typeface="Times"/>
+                  <a:cs typeface="Times"/>
+                </a:rPr>
+                <a:t>=1</a:t>
+              </a:r>
+              <a:endParaRPr lang="en-US" dirty="0">
+                <a:latin typeface="Times"/>
+                <a:cs typeface="Times"/>
+              </a:endParaRPr>
+            </a:p>
+          </p:txBody>
+        </p:sp>
       </p:grpSp>
     </p:spTree>
     <p:extLst>
       <p:ext uri="{BB962C8B-B14F-4D97-AF65-F5344CB8AC3E}">
-        <p14:creationId xmlns:p14="http://schemas.microsoft.com/office/powerpoint/2010/main" val="2444277800"/>
+        <p14:creationId xmlns:p14="http://schemas.microsoft.com/office/powerpoint/2010/main" val="2399722829"/>
       </p:ext>
     </p:extLst>
   </p:cSld>
   <p:clrMapOvr>
     <a:masterClrMapping/>
   </p:clrMapOvr>
+  <p:timing>
+    <p:tnLst>
+      <p:par>
+        <p:cTn xmlns:p14="http://schemas.microsoft.com/office/powerpoint/2010/main" id="1" dur="indefinite" restart="never" nodeType="tmRoot">
+          <p:childTnLst>
+            <p:seq concurrent="1" nextAc="seek">
+              <p:cTn id="2" dur="indefinite" nodeType="mainSeq">
+                <p:childTnLst>
+                  <p:par>
+                    <p:cTn id="3" fill="hold">
+                      <p:stCondLst>
+                        <p:cond delay="indefinite"/>
+                        <p:cond evt="onBegin" delay="0">
+                          <p:tn val="2"/>
+                        </p:cond>
+                      </p:stCondLst>
+                      <p:childTnLst>
+                        <p:par>
+                          <p:cTn id="4" fill="hold">
+                            <p:stCondLst>
+                              <p:cond delay="0"/>
+                            </p:stCondLst>
+                            <p:childTnLst>
+                              <p:par>
+                                <p:cTn id="5" presetID="6" presetClass="emph" presetSubtype="0" fill="hold" nodeType="withEffect">
+                                  <p:stCondLst>
+                                    <p:cond delay="0"/>
+                                  </p:stCondLst>
+                                  <p:childTnLst>
+                                    <p:animScale>
+                                      <p:cBhvr>
+                                        <p:cTn id="6" dur="500" fill="hold"/>
+                                        <p:tgtEl>
+                                          <p:spTgt spid="5"/>
+                                        </p:tgtEl>
+                                      </p:cBhvr>
+                                      <p:by x="50000" y="50000"/>
+                                    </p:animScale>
+                                  </p:childTnLst>
+                                </p:cTn>
+                              </p:par>
+                            </p:childTnLst>
+                          </p:cTn>
+                        </p:par>
+                      </p:childTnLst>
+                    </p:cTn>
+                  </p:par>
+                </p:childTnLst>
+              </p:cTn>
+              <p:prevCondLst>
+                <p:cond evt="onPrev" delay="0">
+                  <p:tgtEl>
+                    <p:sldTgt/>
+                  </p:tgtEl>
+                </p:cond>
+              </p:prevCondLst>
+              <p:nextCondLst>
+                <p:cond evt="onNext" delay="0">
+                  <p:tgtEl>
+                    <p:sldTgt/>
+                  </p:tgtEl>
+                </p:cond>
+              </p:nextCondLst>
+            </p:seq>
+          </p:childTnLst>
+        </p:cTn>
+      </p:par>
+    </p:tnLst>
+  </p:timing>
 </p:sld>
 </file>
 
@@ -3934,4 +7241,324 @@
   </a:objectDefaults>
   <a:extraClrSchemeLst/>
 </a:theme>
+</file>
+
+<file path=ppt/theme/theme2.xml><?xml version="1.0" encoding="utf-8"?>
+<a:theme xmlns:a="http://schemas.openxmlformats.org/drawingml/2006/main" name="Office Theme">
+  <a:themeElements>
+    <a:clrScheme name="Office">
+      <a:dk1>
+        <a:sysClr val="windowText" lastClr="000000"/>
+      </a:dk1>
+      <a:lt1>
+        <a:sysClr val="window" lastClr="FFFFFF"/>
+      </a:lt1>
+      <a:dk2>
+        <a:srgbClr val="1F497D"/>
+      </a:dk2>
+      <a:lt2>
+        <a:srgbClr val="EEECE1"/>
+      </a:lt2>
+      <a:accent1>
+        <a:srgbClr val="4F81BD"/>
+      </a:accent1>
+      <a:accent2>
+        <a:srgbClr val="C0504D"/>
+      </a:accent2>
+      <a:accent3>
+        <a:srgbClr val="9BBB59"/>
+      </a:accent3>
+      <a:accent4>
+        <a:srgbClr val="8064A2"/>
+      </a:accent4>
+      <a:accent5>
+        <a:srgbClr val="4BACC6"/>
+      </a:accent5>
+      <a:accent6>
+        <a:srgbClr val="F79646"/>
+      </a:accent6>
+      <a:hlink>
+        <a:srgbClr val="0000FF"/>
+      </a:hlink>
+      <a:folHlink>
+        <a:srgbClr val="800080"/>
+      </a:folHlink>
+    </a:clrScheme>
+    <a:fontScheme name="Office">
+      <a:majorFont>
+        <a:latin typeface="Calibri"/>
+        <a:ea typeface=""/>
+        <a:cs typeface=""/>
+        <a:font script="Jpan" typeface="ＭＳ Ｐゴシック"/>
+        <a:font script="Hang" typeface="맑은 고딕"/>
+        <a:font script="Hans" typeface="宋体"/>
+        <a:font script="Hant" typeface="新細明體"/>
+        <a:font script="Arab" typeface="Times New Roman"/>
+        <a:font script="Hebr" typeface="Times New Roman"/>
+        <a:font script="Thai" typeface="Angsana New"/>
+        <a:font script="Ethi" typeface="Nyala"/>
+        <a:font script="Beng" typeface="Vrinda"/>
+        <a:font script="Gujr" typeface="Shruti"/>
+        <a:font script="Khmr" typeface="MoolBoran"/>
+        <a:font script="Knda" typeface="Tunga"/>
+        <a:font script="Guru" typeface="Raavi"/>
+        <a:font script="Cans" typeface="Euphemia"/>
+        <a:font script="Cher" typeface="Plantagenet Cherokee"/>
+        <a:font script="Yiii" typeface="Microsoft Yi Baiti"/>
+        <a:font script="Tibt" typeface="Microsoft Himalaya"/>
+        <a:font script="Thaa" typeface="MV Boli"/>
+        <a:font script="Deva" typeface="Mangal"/>
+        <a:font script="Telu" typeface="Gautami"/>
+        <a:font script="Taml" typeface="Latha"/>
+        <a:font script="Syrc" typeface="Estrangelo Edessa"/>
+        <a:font script="Orya" typeface="Kalinga"/>
+        <a:font script="Mlym" typeface="Kartika"/>
+        <a:font script="Laoo" typeface="DokChampa"/>
+        <a:font script="Sinh" typeface="Iskoola Pota"/>
+        <a:font script="Mong" typeface="Mongolian Baiti"/>
+        <a:font script="Viet" typeface="Times New Roman"/>
+        <a:font script="Uigh" typeface="Microsoft Uighur"/>
+        <a:font script="Geor" typeface="Sylfaen"/>
+      </a:majorFont>
+      <a:minorFont>
+        <a:latin typeface="Calibri"/>
+        <a:ea typeface=""/>
+        <a:cs typeface=""/>
+        <a:font script="Jpan" typeface="ＭＳ Ｐゴシック"/>
+        <a:font script="Hang" typeface="맑은 고딕"/>
+        <a:font script="Hans" typeface="宋体"/>
+        <a:font script="Hant" typeface="新細明體"/>
+        <a:font script="Arab" typeface="Arial"/>
+        <a:font script="Hebr" typeface="Arial"/>
+        <a:font script="Thai" typeface="Cordia New"/>
+        <a:font script="Ethi" typeface="Nyala"/>
+        <a:font script="Beng" typeface="Vrinda"/>
+        <a:font script="Gujr" typeface="Shruti"/>
+        <a:font script="Khmr" typeface="DaunPenh"/>
+        <a:font script="Knda" typeface="Tunga"/>
+        <a:font script="Guru" typeface="Raavi"/>
+        <a:font script="Cans" typeface="Euphemia"/>
+        <a:font script="Cher" typeface="Plantagenet Cherokee"/>
+        <a:font script="Yiii" typeface="Microsoft Yi Baiti"/>
+        <a:font script="Tibt" typeface="Microsoft Himalaya"/>
+        <a:font script="Thaa" typeface="MV Boli"/>
+        <a:font script="Deva" typeface="Mangal"/>
+        <a:font script="Telu" typeface="Gautami"/>
+        <a:font script="Taml" typeface="Latha"/>
+        <a:font script="Syrc" typeface="Estrangelo Edessa"/>
+        <a:font script="Orya" typeface="Kalinga"/>
+        <a:font script="Mlym" typeface="Kartika"/>
+        <a:font script="Laoo" typeface="DokChampa"/>
+        <a:font script="Sinh" typeface="Iskoola Pota"/>
+        <a:font script="Mong" typeface="Mongolian Baiti"/>
+        <a:font script="Viet" typeface="Arial"/>
+        <a:font script="Uigh" typeface="Microsoft Uighur"/>
+        <a:font script="Geor" typeface="Sylfaen"/>
+      </a:minorFont>
+    </a:fontScheme>
+    <a:fmtScheme name="Office">
+      <a:fillStyleLst>
+        <a:solidFill>
+          <a:schemeClr val="phClr"/>
+        </a:solidFill>
+        <a:gradFill rotWithShape="1">
+          <a:gsLst>
+            <a:gs pos="0">
+              <a:schemeClr val="phClr">
+                <a:tint val="50000"/>
+                <a:satMod val="300000"/>
+              </a:schemeClr>
+            </a:gs>
+            <a:gs pos="35000">
+              <a:schemeClr val="phClr">
+                <a:tint val="37000"/>
+                <a:satMod val="300000"/>
+              </a:schemeClr>
+            </a:gs>
+            <a:gs pos="100000">
+              <a:schemeClr val="phClr">
+                <a:tint val="15000"/>
+                <a:satMod val="350000"/>
+              </a:schemeClr>
+            </a:gs>
+          </a:gsLst>
+          <a:lin ang="16200000" scaled="1"/>
+        </a:gradFill>
+        <a:gradFill rotWithShape="1">
+          <a:gsLst>
+            <a:gs pos="0">
+              <a:schemeClr val="phClr">
+                <a:tint val="100000"/>
+                <a:shade val="100000"/>
+                <a:satMod val="130000"/>
+              </a:schemeClr>
+            </a:gs>
+            <a:gs pos="100000">
+              <a:schemeClr val="phClr">
+                <a:tint val="50000"/>
+                <a:shade val="100000"/>
+                <a:satMod val="350000"/>
+              </a:schemeClr>
+            </a:gs>
+          </a:gsLst>
+          <a:lin ang="16200000" scaled="0"/>
+        </a:gradFill>
+      </a:fillStyleLst>
+      <a:lnStyleLst>
+        <a:ln w="9525" cap="flat" cmpd="sng" algn="ctr">
+          <a:solidFill>
+            <a:schemeClr val="phClr">
+              <a:shade val="95000"/>
+              <a:satMod val="105000"/>
+            </a:schemeClr>
+          </a:solidFill>
+          <a:prstDash val="solid"/>
+        </a:ln>
+        <a:ln w="25400" cap="flat" cmpd="sng" algn="ctr">
+          <a:solidFill>
+            <a:schemeClr val="phClr"/>
+          </a:solidFill>
+          <a:prstDash val="solid"/>
+        </a:ln>
+        <a:ln w="38100" cap="flat" cmpd="sng" algn="ctr">
+          <a:solidFill>
+            <a:schemeClr val="phClr"/>
+          </a:solidFill>
+          <a:prstDash val="solid"/>
+        </a:ln>
+      </a:lnStyleLst>
+      <a:effectStyleLst>
+        <a:effectStyle>
+          <a:effectLst>
+            <a:outerShdw blurRad="40000" dist="20000" dir="5400000" rotWithShape="0">
+              <a:srgbClr val="000000">
+                <a:alpha val="38000"/>
+              </a:srgbClr>
+            </a:outerShdw>
+          </a:effectLst>
+        </a:effectStyle>
+        <a:effectStyle>
+          <a:effectLst>
+            <a:outerShdw blurRad="40000" dist="23000" dir="5400000" rotWithShape="0">
+              <a:srgbClr val="000000">
+                <a:alpha val="35000"/>
+              </a:srgbClr>
+            </a:outerShdw>
+          </a:effectLst>
+        </a:effectStyle>
+        <a:effectStyle>
+          <a:effectLst>
+            <a:outerShdw blurRad="40000" dist="23000" dir="5400000" rotWithShape="0">
+              <a:srgbClr val="000000">
+                <a:alpha val="35000"/>
+              </a:srgbClr>
+            </a:outerShdw>
+          </a:effectLst>
+          <a:scene3d>
+            <a:camera prst="orthographicFront">
+              <a:rot lat="0" lon="0" rev="0"/>
+            </a:camera>
+            <a:lightRig rig="threePt" dir="t">
+              <a:rot lat="0" lon="0" rev="1200000"/>
+            </a:lightRig>
+          </a:scene3d>
+          <a:sp3d>
+            <a:bevelT w="63500" h="25400"/>
+          </a:sp3d>
+        </a:effectStyle>
+      </a:effectStyleLst>
+      <a:bgFillStyleLst>
+        <a:solidFill>
+          <a:schemeClr val="phClr"/>
+        </a:solidFill>
+        <a:gradFill rotWithShape="1">
+          <a:gsLst>
+            <a:gs pos="0">
+              <a:schemeClr val="phClr">
+                <a:tint val="40000"/>
+                <a:satMod val="350000"/>
+              </a:schemeClr>
+            </a:gs>
+            <a:gs pos="40000">
+              <a:schemeClr val="phClr">
+                <a:tint val="45000"/>
+                <a:shade val="99000"/>
+                <a:satMod val="350000"/>
+              </a:schemeClr>
+            </a:gs>
+            <a:gs pos="100000">
+              <a:schemeClr val="phClr">
+                <a:shade val="20000"/>
+                <a:satMod val="255000"/>
+              </a:schemeClr>
+            </a:gs>
+          </a:gsLst>
+          <a:path path="circle">
+            <a:fillToRect l="50000" t="-80000" r="50000" b="180000"/>
+          </a:path>
+        </a:gradFill>
+        <a:gradFill rotWithShape="1">
+          <a:gsLst>
+            <a:gs pos="0">
+              <a:schemeClr val="phClr">
+                <a:tint val="80000"/>
+                <a:satMod val="300000"/>
+              </a:schemeClr>
+            </a:gs>
+            <a:gs pos="100000">
+              <a:schemeClr val="phClr">
+                <a:shade val="30000"/>
+                <a:satMod val="200000"/>
+              </a:schemeClr>
+            </a:gs>
+          </a:gsLst>
+          <a:path path="circle">
+            <a:fillToRect l="50000" t="50000" r="50000" b="50000"/>
+          </a:path>
+        </a:gradFill>
+      </a:bgFillStyleLst>
+    </a:fmtScheme>
+  </a:themeElements>
+  <a:objectDefaults>
+    <a:spDef>
+      <a:spPr/>
+      <a:bodyPr/>
+      <a:lstStyle/>
+      <a:style>
+        <a:lnRef idx="1">
+          <a:schemeClr val="accent1"/>
+        </a:lnRef>
+        <a:fillRef idx="3">
+          <a:schemeClr val="accent1"/>
+        </a:fillRef>
+        <a:effectRef idx="2">
+          <a:schemeClr val="accent1"/>
+        </a:effectRef>
+        <a:fontRef idx="minor">
+          <a:schemeClr val="lt1"/>
+        </a:fontRef>
+      </a:style>
+    </a:spDef>
+    <a:lnDef>
+      <a:spPr/>
+      <a:bodyPr/>
+      <a:lstStyle/>
+      <a:style>
+        <a:lnRef idx="2">
+          <a:schemeClr val="accent1"/>
+        </a:lnRef>
+        <a:fillRef idx="0">
+          <a:schemeClr val="accent1"/>
+        </a:fillRef>
+        <a:effectRef idx="1">
+          <a:schemeClr val="accent1"/>
+        </a:effectRef>
+        <a:fontRef idx="minor">
+          <a:schemeClr val="tx1"/>
+        </a:fontRef>
+      </a:style>
+    </a:lnDef>
+  </a:objectDefaults>
+  <a:extraClrSchemeLst/>
+</a:theme>
 </file>